--- a/Document/process.pptx
+++ b/Document/process.pptx
@@ -6,6 +6,7 @@
   </p:sldMasterIdLst>
   <p:sldIdLst>
     <p:sldId id="256" r:id="rId2"/>
+    <p:sldId id="257" r:id="rId3"/>
   </p:sldIdLst>
   <p:sldSz cx="9144000" cy="6858000" type="screen4x3"/>
   <p:notesSz cx="6858000" cy="9144000"/>
@@ -104,6 +105,22 @@
       </a:defRPr>
     </a:lvl9pPr>
   </p:defaultTextStyle>
+  <p:extLst>
+    <p:ext uri="{EFAFB233-063F-42B5-8137-9DF3F51BA10A}">
+      <p15:sldGuideLst xmlns:p15="http://schemas.microsoft.com/office/powerpoint/2012/main">
+        <p15:guide id="1" orient="horz" pos="2160">
+          <p15:clr>
+            <a:srgbClr val="A4A3A4"/>
+          </p15:clr>
+        </p15:guide>
+        <p15:guide id="2" pos="2880">
+          <p15:clr>
+            <a:srgbClr val="A4A3A4"/>
+          </p15:clr>
+        </p15:guide>
+      </p15:sldGuideLst>
+    </p:ext>
+  </p:extLst>
 </p:presentation>
 </file>
 
@@ -288,7 +305,7 @@
           <a:p>
             <a:fld id="{D774640A-83A1-4395-997C-62720D5DC0E7}" type="datetimeFigureOut">
               <a:rPr lang="ko-KR" altLang="en-US" smtClean="0"/>
-              <a:t>2021-07-18</a:t>
+              <a:t>2021-07-23</a:t>
             </a:fld>
             <a:endParaRPr lang="ko-KR" altLang="en-US"/>
           </a:p>
@@ -458,7 +475,7 @@
           <a:p>
             <a:fld id="{D774640A-83A1-4395-997C-62720D5DC0E7}" type="datetimeFigureOut">
               <a:rPr lang="ko-KR" altLang="en-US" smtClean="0"/>
-              <a:t>2021-07-18</a:t>
+              <a:t>2021-07-23</a:t>
             </a:fld>
             <a:endParaRPr lang="ko-KR" altLang="en-US"/>
           </a:p>
@@ -638,7 +655,7 @@
           <a:p>
             <a:fld id="{D774640A-83A1-4395-997C-62720D5DC0E7}" type="datetimeFigureOut">
               <a:rPr lang="ko-KR" altLang="en-US" smtClean="0"/>
-              <a:t>2021-07-18</a:t>
+              <a:t>2021-07-23</a:t>
             </a:fld>
             <a:endParaRPr lang="ko-KR" altLang="en-US"/>
           </a:p>
@@ -808,7 +825,7 @@
           <a:p>
             <a:fld id="{D774640A-83A1-4395-997C-62720D5DC0E7}" type="datetimeFigureOut">
               <a:rPr lang="ko-KR" altLang="en-US" smtClean="0"/>
-              <a:t>2021-07-18</a:t>
+              <a:t>2021-07-23</a:t>
             </a:fld>
             <a:endParaRPr lang="ko-KR" altLang="en-US"/>
           </a:p>
@@ -1054,7 +1071,7 @@
           <a:p>
             <a:fld id="{D774640A-83A1-4395-997C-62720D5DC0E7}" type="datetimeFigureOut">
               <a:rPr lang="ko-KR" altLang="en-US" smtClean="0"/>
-              <a:t>2021-07-18</a:t>
+              <a:t>2021-07-23</a:t>
             </a:fld>
             <a:endParaRPr lang="ko-KR" altLang="en-US"/>
           </a:p>
@@ -1342,7 +1359,7 @@
           <a:p>
             <a:fld id="{D774640A-83A1-4395-997C-62720D5DC0E7}" type="datetimeFigureOut">
               <a:rPr lang="ko-KR" altLang="en-US" smtClean="0"/>
-              <a:t>2021-07-18</a:t>
+              <a:t>2021-07-23</a:t>
             </a:fld>
             <a:endParaRPr lang="ko-KR" altLang="en-US"/>
           </a:p>
@@ -1764,7 +1781,7 @@
           <a:p>
             <a:fld id="{D774640A-83A1-4395-997C-62720D5DC0E7}" type="datetimeFigureOut">
               <a:rPr lang="ko-KR" altLang="en-US" smtClean="0"/>
-              <a:t>2021-07-18</a:t>
+              <a:t>2021-07-23</a:t>
             </a:fld>
             <a:endParaRPr lang="ko-KR" altLang="en-US"/>
           </a:p>
@@ -1882,7 +1899,7 @@
           <a:p>
             <a:fld id="{D774640A-83A1-4395-997C-62720D5DC0E7}" type="datetimeFigureOut">
               <a:rPr lang="ko-KR" altLang="en-US" smtClean="0"/>
-              <a:t>2021-07-18</a:t>
+              <a:t>2021-07-23</a:t>
             </a:fld>
             <a:endParaRPr lang="ko-KR" altLang="en-US"/>
           </a:p>
@@ -1977,7 +1994,7 @@
           <a:p>
             <a:fld id="{D774640A-83A1-4395-997C-62720D5DC0E7}" type="datetimeFigureOut">
               <a:rPr lang="ko-KR" altLang="en-US" smtClean="0"/>
-              <a:t>2021-07-18</a:t>
+              <a:t>2021-07-23</a:t>
             </a:fld>
             <a:endParaRPr lang="ko-KR" altLang="en-US"/>
           </a:p>
@@ -2254,7 +2271,7 @@
           <a:p>
             <a:fld id="{D774640A-83A1-4395-997C-62720D5DC0E7}" type="datetimeFigureOut">
               <a:rPr lang="ko-KR" altLang="en-US" smtClean="0"/>
-              <a:t>2021-07-18</a:t>
+              <a:t>2021-07-23</a:t>
             </a:fld>
             <a:endParaRPr lang="ko-KR" altLang="en-US"/>
           </a:p>
@@ -2507,7 +2524,7 @@
           <a:p>
             <a:fld id="{D774640A-83A1-4395-997C-62720D5DC0E7}" type="datetimeFigureOut">
               <a:rPr lang="ko-KR" altLang="en-US" smtClean="0"/>
-              <a:t>2021-07-18</a:t>
+              <a:t>2021-07-23</a:t>
             </a:fld>
             <a:endParaRPr lang="ko-KR" altLang="en-US"/>
           </a:p>
@@ -2720,7 +2737,7 @@
           <a:p>
             <a:fld id="{D774640A-83A1-4395-997C-62720D5DC0E7}" type="datetimeFigureOut">
               <a:rPr lang="ko-KR" altLang="en-US" smtClean="0"/>
-              <a:t>2021-07-18</a:t>
+              <a:t>2021-07-23</a:t>
             </a:fld>
             <a:endParaRPr lang="ko-KR" altLang="en-US"/>
           </a:p>
@@ -3489,10 +3506,7 @@
           </a:solidFill>
           <a:ln>
             <a:solidFill>
-              <a:schemeClr val="tx2">
-                <a:lumMod val="60000"/>
-                <a:lumOff val="40000"/>
-              </a:schemeClr>
+              <a:schemeClr val="tx1"/>
             </a:solidFill>
           </a:ln>
         </p:spPr>
@@ -3535,7 +3549,7 @@
                 <a:latin typeface="배달의민족 한나체 Pro" pitchFamily="50" charset="-127"/>
                 <a:ea typeface="배달의민족 한나체 Pro" pitchFamily="50" charset="-127"/>
               </a:rPr>
-              <a:t>소요량 파악</a:t>
+              <a:t>사용량 파악</a:t>
             </a:r>
             <a:endParaRPr lang="ko-KR" altLang="en-US" sz="1500" dirty="0">
               <a:solidFill>
@@ -3833,17 +3847,7 @@
                 <a:latin typeface="배달의민족 한나체 Pro" pitchFamily="50" charset="-127"/>
                 <a:ea typeface="배달의민족 한나체 Pro" pitchFamily="50" charset="-127"/>
               </a:rPr>
-              <a:t> </a:t>
-            </a:r>
-            <a:r>
-              <a:rPr lang="en-US" altLang="ko-KR" dirty="0" smtClean="0">
-                <a:solidFill>
-                  <a:schemeClr val="tx1"/>
-                </a:solidFill>
-                <a:latin typeface="배달의민족 한나체 Pro" pitchFamily="50" charset="-127"/>
-                <a:ea typeface="배달의민족 한나체 Pro" pitchFamily="50" charset="-127"/>
-              </a:rPr>
-              <a:t>I V</a:t>
+              <a:t> I V</a:t>
             </a:r>
             <a:endParaRPr lang="ko-KR" altLang="en-US" dirty="0">
               <a:solidFill>
@@ -4249,10 +4253,7 @@
           </a:prstGeom>
           <a:ln w="28575">
             <a:solidFill>
-              <a:schemeClr val="tx2">
-                <a:lumMod val="60000"/>
-                <a:lumOff val="40000"/>
-              </a:schemeClr>
+              <a:schemeClr val="tx1"/>
             </a:solidFill>
             <a:tailEnd type="arrow"/>
           </a:ln>
@@ -4641,8 +4642,8 @@
         </p:nvSpPr>
         <p:spPr>
           <a:xfrm>
-            <a:off x="991603" y="764704"/>
-            <a:ext cx="1040114" cy="504056"/>
+            <a:off x="991602" y="764704"/>
+            <a:ext cx="1092119" cy="504056"/>
           </a:xfrm>
           <a:prstGeom prst="roundRect">
             <a:avLst/>
@@ -4678,14 +4679,14 @@
           <a:p>
             <a:pPr algn="ctr"/>
             <a:r>
-              <a:rPr lang="en-US" altLang="ko-KR" dirty="0" smtClean="0">
+              <a:rPr lang="ko-KR" altLang="en-US" dirty="0" smtClean="0">
                 <a:solidFill>
                   <a:schemeClr val="tx1"/>
                 </a:solidFill>
                 <a:latin typeface="배달의민족 한나체 Pro" pitchFamily="50" charset="-127"/>
                 <a:ea typeface="배달의민족 한나체 Pro" pitchFamily="50" charset="-127"/>
               </a:rPr>
-              <a:t>S D</a:t>
+              <a:t>판매 부서</a:t>
             </a:r>
             <a:endParaRPr lang="ko-KR" altLang="en-US" dirty="0">
               <a:solidFill>
@@ -4705,8 +4706,8 @@
         </p:nvSpPr>
         <p:spPr>
           <a:xfrm>
-            <a:off x="4020949" y="836712"/>
-            <a:ext cx="1040114" cy="504056"/>
+            <a:off x="3910432" y="818710"/>
+            <a:ext cx="1251128" cy="504056"/>
           </a:xfrm>
           <a:prstGeom prst="roundRect">
             <a:avLst/>
@@ -4742,34 +4743,14 @@
           <a:p>
             <a:pPr algn="ctr"/>
             <a:r>
-              <a:rPr lang="en-US" altLang="ko-KR" dirty="0">
+              <a:rPr lang="ko-KR" altLang="en-US" dirty="0" smtClean="0">
                 <a:solidFill>
                   <a:schemeClr val="tx1"/>
                 </a:solidFill>
                 <a:latin typeface="배달의민족 한나체 Pro" pitchFamily="50" charset="-127"/>
                 <a:ea typeface="배달의민족 한나체 Pro" pitchFamily="50" charset="-127"/>
               </a:rPr>
-              <a:t>P</a:t>
-            </a:r>
-            <a:r>
-              <a:rPr lang="en-US" altLang="ko-KR" dirty="0" smtClean="0">
-                <a:solidFill>
-                  <a:schemeClr val="tx1"/>
-                </a:solidFill>
-                <a:latin typeface="배달의민족 한나체 Pro" pitchFamily="50" charset="-127"/>
-                <a:ea typeface="배달의민족 한나체 Pro" pitchFamily="50" charset="-127"/>
-              </a:rPr>
-              <a:t> </a:t>
-            </a:r>
-            <a:r>
-              <a:rPr lang="en-US" altLang="ko-KR" dirty="0" err="1" smtClean="0">
-                <a:solidFill>
-                  <a:schemeClr val="tx1"/>
-                </a:solidFill>
-                <a:latin typeface="배달의민족 한나체 Pro" pitchFamily="50" charset="-127"/>
-                <a:ea typeface="배달의민족 한나체 Pro" pitchFamily="50" charset="-127"/>
-              </a:rPr>
-              <a:t>P</a:t>
+              <a:t>생산 부서</a:t>
             </a:r>
             <a:endParaRPr lang="ko-KR" altLang="en-US" dirty="0">
               <a:solidFill>
@@ -4789,8 +4770,8 @@
         </p:nvSpPr>
         <p:spPr>
           <a:xfrm>
-            <a:off x="6896259" y="839416"/>
-            <a:ext cx="1040114" cy="504056"/>
+            <a:off x="6836250" y="839416"/>
+            <a:ext cx="1100123" cy="504056"/>
           </a:xfrm>
           <a:prstGeom prst="roundRect">
             <a:avLst/>
@@ -4829,24 +4810,14 @@
           <a:p>
             <a:pPr algn="ctr"/>
             <a:r>
-              <a:rPr lang="en-US" altLang="ko-KR" dirty="0" smtClean="0">
+              <a:rPr lang="ko-KR" altLang="en-US" dirty="0" smtClean="0">
                 <a:solidFill>
                   <a:schemeClr val="tx1"/>
                 </a:solidFill>
                 <a:latin typeface="배달의민족 한나체 Pro" pitchFamily="50" charset="-127"/>
                 <a:ea typeface="배달의민족 한나체 Pro" pitchFamily="50" charset="-127"/>
               </a:rPr>
-              <a:t>M </a:t>
-            </a:r>
-            <a:r>
-              <a:rPr lang="en-US" altLang="ko-KR" dirty="0" err="1" smtClean="0">
-                <a:solidFill>
-                  <a:schemeClr val="tx1"/>
-                </a:solidFill>
-                <a:latin typeface="배달의민족 한나체 Pro" pitchFamily="50" charset="-127"/>
-                <a:ea typeface="배달의민족 한나체 Pro" pitchFamily="50" charset="-127"/>
-              </a:rPr>
-              <a:t>M</a:t>
+              <a:t>구매 부서</a:t>
             </a:r>
             <a:endParaRPr lang="ko-KR" altLang="en-US" dirty="0">
               <a:solidFill>
@@ -4862,6 +4833,2371 @@
     <p:extLst>
       <p:ext uri="{BB962C8B-B14F-4D97-AF65-F5344CB8AC3E}">
         <p14:creationId xmlns:p14="http://schemas.microsoft.com/office/powerpoint/2010/main" val="2911953734"/>
+      </p:ext>
+    </p:extLst>
+  </p:cSld>
+  <p:clrMapOvr>
+    <a:masterClrMapping/>
+  </p:clrMapOvr>
+</p:sld>
+</file>
+
+<file path=ppt/slides/slide2.xml><?xml version="1.0" encoding="utf-8"?>
+<p:sld xmlns:a="http://schemas.openxmlformats.org/drawingml/2006/main" xmlns:r="http://schemas.openxmlformats.org/officeDocument/2006/relationships" xmlns:p="http://schemas.openxmlformats.org/presentationml/2006/main">
+  <p:cSld>
+    <p:spTree>
+      <p:nvGrpSpPr>
+        <p:cNvPr id="1" name=""/>
+        <p:cNvGrpSpPr/>
+        <p:nvPr/>
+      </p:nvGrpSpPr>
+      <p:grpSpPr>
+        <a:xfrm>
+          <a:off x="0" y="0"/>
+          <a:ext cx="0" cy="0"/>
+          <a:chOff x="0" y="0"/>
+          <a:chExt cx="0" cy="0"/>
+        </a:xfrm>
+      </p:grpSpPr>
+      <p:sp>
+        <p:nvSpPr>
+          <p:cNvPr id="4" name="모서리가 둥근 직사각형 3"/>
+          <p:cNvSpPr/>
+          <p:nvPr/>
+        </p:nvSpPr>
+        <p:spPr>
+          <a:xfrm>
+            <a:off x="179512" y="1016732"/>
+            <a:ext cx="1325923" cy="5544616"/>
+          </a:xfrm>
+          <a:prstGeom prst="roundRect">
+            <a:avLst/>
+          </a:prstGeom>
+          <a:solidFill>
+            <a:schemeClr val="bg1"/>
+          </a:solidFill>
+          <a:ln>
+            <a:solidFill>
+              <a:schemeClr val="tx1"/>
+            </a:solidFill>
+          </a:ln>
+        </p:spPr>
+        <p:style>
+          <a:lnRef idx="2">
+            <a:schemeClr val="accent1">
+              <a:shade val="50000"/>
+            </a:schemeClr>
+          </a:lnRef>
+          <a:fillRef idx="1">
+            <a:schemeClr val="accent1"/>
+          </a:fillRef>
+          <a:effectRef idx="0">
+            <a:schemeClr val="accent1"/>
+          </a:effectRef>
+          <a:fontRef idx="minor">
+            <a:schemeClr val="lt1"/>
+          </a:fontRef>
+        </p:style>
+        <p:txBody>
+          <a:bodyPr rtlCol="0" anchor="ctr"/>
+          <a:lstStyle/>
+          <a:p>
+            <a:pPr algn="ctr"/>
+            <a:endParaRPr lang="ko-KR" altLang="en-US"/>
+          </a:p>
+        </p:txBody>
+      </p:sp>
+      <p:sp>
+        <p:nvSpPr>
+          <p:cNvPr id="5" name="모서리가 둥근 직사각형 4"/>
+          <p:cNvSpPr/>
+          <p:nvPr/>
+        </p:nvSpPr>
+        <p:spPr>
+          <a:xfrm>
+            <a:off x="1760193" y="1017723"/>
+            <a:ext cx="3412312" cy="5544616"/>
+          </a:xfrm>
+          <a:prstGeom prst="roundRect">
+            <a:avLst/>
+          </a:prstGeom>
+          <a:solidFill>
+            <a:schemeClr val="bg1"/>
+          </a:solidFill>
+          <a:ln>
+            <a:solidFill>
+              <a:schemeClr val="tx1"/>
+            </a:solidFill>
+          </a:ln>
+        </p:spPr>
+        <p:style>
+          <a:lnRef idx="2">
+            <a:schemeClr val="accent1">
+              <a:shade val="50000"/>
+            </a:schemeClr>
+          </a:lnRef>
+          <a:fillRef idx="1">
+            <a:schemeClr val="accent1"/>
+          </a:fillRef>
+          <a:effectRef idx="0">
+            <a:schemeClr val="accent1"/>
+          </a:effectRef>
+          <a:fontRef idx="minor">
+            <a:schemeClr val="lt1"/>
+          </a:fontRef>
+        </p:style>
+        <p:txBody>
+          <a:bodyPr rtlCol="0" anchor="ctr"/>
+          <a:lstStyle/>
+          <a:p>
+            <a:pPr algn="ctr"/>
+            <a:endParaRPr lang="ko-KR" altLang="en-US"/>
+          </a:p>
+        </p:txBody>
+      </p:sp>
+      <p:sp>
+        <p:nvSpPr>
+          <p:cNvPr id="6" name="모서리가 둥근 직사각형 5"/>
+          <p:cNvSpPr/>
+          <p:nvPr/>
+        </p:nvSpPr>
+        <p:spPr>
+          <a:xfrm>
+            <a:off x="3494609" y="1016732"/>
+            <a:ext cx="5397871" cy="5544616"/>
+          </a:xfrm>
+          <a:prstGeom prst="roundRect">
+            <a:avLst/>
+          </a:prstGeom>
+          <a:noFill/>
+          <a:ln>
+            <a:solidFill>
+              <a:schemeClr val="tx2">
+                <a:lumMod val="60000"/>
+                <a:lumOff val="40000"/>
+              </a:schemeClr>
+            </a:solidFill>
+          </a:ln>
+        </p:spPr>
+        <p:style>
+          <a:lnRef idx="2">
+            <a:schemeClr val="accent1">
+              <a:shade val="50000"/>
+            </a:schemeClr>
+          </a:lnRef>
+          <a:fillRef idx="1">
+            <a:schemeClr val="accent1"/>
+          </a:fillRef>
+          <a:effectRef idx="0">
+            <a:schemeClr val="accent1"/>
+          </a:effectRef>
+          <a:fontRef idx="minor">
+            <a:schemeClr val="lt1"/>
+          </a:fontRef>
+        </p:style>
+        <p:txBody>
+          <a:bodyPr rtlCol="0" anchor="ctr"/>
+          <a:lstStyle/>
+          <a:p>
+            <a:pPr algn="ctr"/>
+            <a:endParaRPr lang="ko-KR" altLang="en-US"/>
+          </a:p>
+        </p:txBody>
+      </p:sp>
+      <p:sp>
+        <p:nvSpPr>
+          <p:cNvPr id="7" name="순서도: 처리 6"/>
+          <p:cNvSpPr/>
+          <p:nvPr/>
+        </p:nvSpPr>
+        <p:spPr>
+          <a:xfrm>
+            <a:off x="247518" y="1512647"/>
+            <a:ext cx="1152128" cy="504056"/>
+          </a:xfrm>
+          <a:prstGeom prst="flowChartProcess">
+            <a:avLst/>
+          </a:prstGeom>
+          <a:solidFill>
+            <a:schemeClr val="bg1"/>
+          </a:solidFill>
+          <a:ln>
+            <a:solidFill>
+              <a:schemeClr val="tx2">
+                <a:lumMod val="60000"/>
+                <a:lumOff val="40000"/>
+              </a:schemeClr>
+            </a:solidFill>
+          </a:ln>
+        </p:spPr>
+        <p:style>
+          <a:lnRef idx="2">
+            <a:schemeClr val="accent1">
+              <a:shade val="50000"/>
+            </a:schemeClr>
+          </a:lnRef>
+          <a:fillRef idx="1">
+            <a:schemeClr val="accent1"/>
+          </a:fillRef>
+          <a:effectRef idx="0">
+            <a:schemeClr val="accent1"/>
+          </a:effectRef>
+          <a:fontRef idx="minor">
+            <a:schemeClr val="lt1"/>
+          </a:fontRef>
+        </p:style>
+        <p:txBody>
+          <a:bodyPr rtlCol="0" anchor="ctr"/>
+          <a:lstStyle/>
+          <a:p>
+            <a:pPr algn="ctr"/>
+            <a:r>
+              <a:rPr lang="en-US" altLang="ko-KR" dirty="0" smtClean="0">
+                <a:solidFill>
+                  <a:schemeClr val="tx1"/>
+                </a:solidFill>
+                <a:latin typeface="배달의민족 한나체 Pro" pitchFamily="50" charset="-127"/>
+                <a:ea typeface="배달의민족 한나체 Pro" pitchFamily="50" charset="-127"/>
+              </a:rPr>
+              <a:t> </a:t>
+            </a:r>
+            <a:r>
+              <a:rPr lang="ko-KR" altLang="en-US" dirty="0" smtClean="0">
+                <a:solidFill>
+                  <a:schemeClr val="tx1"/>
+                </a:solidFill>
+                <a:latin typeface="배달의민족 한나체 Pro" pitchFamily="50" charset="-127"/>
+                <a:ea typeface="배달의민족 한나체 Pro" pitchFamily="50" charset="-127"/>
+              </a:rPr>
+              <a:t>주문 접수</a:t>
+            </a:r>
+            <a:endParaRPr lang="ko-KR" altLang="en-US" dirty="0">
+              <a:solidFill>
+                <a:schemeClr val="tx1"/>
+              </a:solidFill>
+              <a:latin typeface="배달의민족 한나체 Pro" pitchFamily="50" charset="-127"/>
+              <a:ea typeface="배달의민족 한나체 Pro" pitchFamily="50" charset="-127"/>
+            </a:endParaRPr>
+          </a:p>
+        </p:txBody>
+      </p:sp>
+      <p:sp>
+        <p:nvSpPr>
+          <p:cNvPr id="8" name="순서도: 처리 7"/>
+          <p:cNvSpPr/>
+          <p:nvPr/>
+        </p:nvSpPr>
+        <p:spPr>
+          <a:xfrm>
+            <a:off x="247518" y="2376743"/>
+            <a:ext cx="1152128" cy="504056"/>
+          </a:xfrm>
+          <a:prstGeom prst="flowChartProcess">
+            <a:avLst/>
+          </a:prstGeom>
+          <a:solidFill>
+            <a:schemeClr val="bg1"/>
+          </a:solidFill>
+          <a:ln>
+            <a:solidFill>
+              <a:schemeClr val="tx2">
+                <a:lumMod val="60000"/>
+                <a:lumOff val="40000"/>
+              </a:schemeClr>
+            </a:solidFill>
+          </a:ln>
+        </p:spPr>
+        <p:style>
+          <a:lnRef idx="2">
+            <a:schemeClr val="accent1">
+              <a:shade val="50000"/>
+            </a:schemeClr>
+          </a:lnRef>
+          <a:fillRef idx="1">
+            <a:schemeClr val="accent1"/>
+          </a:fillRef>
+          <a:effectRef idx="0">
+            <a:schemeClr val="accent1"/>
+          </a:effectRef>
+          <a:fontRef idx="minor">
+            <a:schemeClr val="lt1"/>
+          </a:fontRef>
+        </p:style>
+        <p:txBody>
+          <a:bodyPr rtlCol="0" anchor="ctr"/>
+          <a:lstStyle/>
+          <a:p>
+            <a:pPr algn="ctr"/>
+            <a:r>
+              <a:rPr lang="en-US" altLang="ko-KR" dirty="0" smtClean="0">
+                <a:solidFill>
+                  <a:schemeClr val="tx1"/>
+                </a:solidFill>
+                <a:latin typeface="배달의민족 한나체 Pro" pitchFamily="50" charset="-127"/>
+                <a:ea typeface="배달의민족 한나체 Pro" pitchFamily="50" charset="-127"/>
+              </a:rPr>
+              <a:t> </a:t>
+            </a:r>
+            <a:r>
+              <a:rPr lang="ko-KR" altLang="en-US" dirty="0" smtClean="0">
+                <a:solidFill>
+                  <a:schemeClr val="tx1"/>
+                </a:solidFill>
+                <a:latin typeface="배달의민족 한나체 Pro" pitchFamily="50" charset="-127"/>
+                <a:ea typeface="배달의민족 한나체 Pro" pitchFamily="50" charset="-127"/>
+              </a:rPr>
+              <a:t>판매 오더</a:t>
+            </a:r>
+            <a:endParaRPr lang="ko-KR" altLang="en-US" dirty="0">
+              <a:solidFill>
+                <a:schemeClr val="tx1"/>
+              </a:solidFill>
+              <a:latin typeface="배달의민족 한나체 Pro" pitchFamily="50" charset="-127"/>
+              <a:ea typeface="배달의민족 한나체 Pro" pitchFamily="50" charset="-127"/>
+            </a:endParaRPr>
+          </a:p>
+        </p:txBody>
+      </p:sp>
+      <p:sp>
+        <p:nvSpPr>
+          <p:cNvPr id="9" name="순서도: 처리 8"/>
+          <p:cNvSpPr/>
+          <p:nvPr/>
+        </p:nvSpPr>
+        <p:spPr>
+          <a:xfrm>
+            <a:off x="2036709" y="2903704"/>
+            <a:ext cx="1152128" cy="504056"/>
+          </a:xfrm>
+          <a:prstGeom prst="flowChartProcess">
+            <a:avLst/>
+          </a:prstGeom>
+          <a:solidFill>
+            <a:schemeClr val="bg1"/>
+          </a:solidFill>
+          <a:ln>
+            <a:solidFill>
+              <a:schemeClr val="tx1"/>
+            </a:solidFill>
+          </a:ln>
+        </p:spPr>
+        <p:style>
+          <a:lnRef idx="2">
+            <a:schemeClr val="accent1">
+              <a:shade val="50000"/>
+            </a:schemeClr>
+          </a:lnRef>
+          <a:fillRef idx="1">
+            <a:schemeClr val="accent1"/>
+          </a:fillRef>
+          <a:effectRef idx="0">
+            <a:schemeClr val="accent1"/>
+          </a:effectRef>
+          <a:fontRef idx="minor">
+            <a:schemeClr val="lt1"/>
+          </a:fontRef>
+        </p:style>
+        <p:txBody>
+          <a:bodyPr rtlCol="0" anchor="ctr"/>
+          <a:lstStyle/>
+          <a:p>
+            <a:pPr algn="ctr"/>
+            <a:r>
+              <a:rPr lang="en-US" altLang="ko-KR" dirty="0" smtClean="0">
+                <a:solidFill>
+                  <a:schemeClr val="tx1"/>
+                </a:solidFill>
+                <a:latin typeface="배달의민족 한나체 Pro" pitchFamily="50" charset="-127"/>
+                <a:ea typeface="배달의민족 한나체 Pro" pitchFamily="50" charset="-127"/>
+              </a:rPr>
+              <a:t> </a:t>
+            </a:r>
+            <a:r>
+              <a:rPr lang="ko-KR" altLang="en-US" dirty="0" smtClean="0">
+                <a:solidFill>
+                  <a:schemeClr val="tx1"/>
+                </a:solidFill>
+                <a:latin typeface="배달의민족 한나체 Pro" pitchFamily="50" charset="-127"/>
+                <a:ea typeface="배달의민족 한나체 Pro" pitchFamily="50" charset="-127"/>
+              </a:rPr>
+              <a:t>생산 오더</a:t>
+            </a:r>
+            <a:endParaRPr lang="ko-KR" altLang="en-US" dirty="0">
+              <a:solidFill>
+                <a:schemeClr val="tx1"/>
+              </a:solidFill>
+              <a:latin typeface="배달의민족 한나체 Pro" pitchFamily="50" charset="-127"/>
+              <a:ea typeface="배달의민족 한나체 Pro" pitchFamily="50" charset="-127"/>
+            </a:endParaRPr>
+          </a:p>
+        </p:txBody>
+      </p:sp>
+      <p:sp>
+        <p:nvSpPr>
+          <p:cNvPr id="10" name="순서도: 처리 9"/>
+          <p:cNvSpPr/>
+          <p:nvPr/>
+        </p:nvSpPr>
+        <p:spPr>
+          <a:xfrm>
+            <a:off x="3741241" y="1645421"/>
+            <a:ext cx="1152128" cy="504056"/>
+          </a:xfrm>
+          <a:prstGeom prst="flowChartProcess">
+            <a:avLst/>
+          </a:prstGeom>
+          <a:solidFill>
+            <a:schemeClr val="bg1"/>
+          </a:solidFill>
+          <a:ln>
+            <a:solidFill>
+              <a:schemeClr val="accent1"/>
+            </a:solidFill>
+          </a:ln>
+        </p:spPr>
+        <p:style>
+          <a:lnRef idx="2">
+            <a:schemeClr val="accent1">
+              <a:shade val="50000"/>
+            </a:schemeClr>
+          </a:lnRef>
+          <a:fillRef idx="1">
+            <a:schemeClr val="accent1"/>
+          </a:fillRef>
+          <a:effectRef idx="0">
+            <a:schemeClr val="accent1"/>
+          </a:effectRef>
+          <a:fontRef idx="minor">
+            <a:schemeClr val="lt1"/>
+          </a:fontRef>
+        </p:style>
+        <p:txBody>
+          <a:bodyPr rtlCol="0" anchor="ctr"/>
+          <a:lstStyle/>
+          <a:p>
+            <a:pPr algn="ctr"/>
+            <a:r>
+              <a:rPr lang="en-US" altLang="ko-KR" dirty="0" smtClean="0">
+                <a:solidFill>
+                  <a:schemeClr val="tx1"/>
+                </a:solidFill>
+                <a:latin typeface="배달의민족 한나체 Pro" pitchFamily="50" charset="-127"/>
+                <a:ea typeface="배달의민족 한나체 Pro" pitchFamily="50" charset="-127"/>
+              </a:rPr>
+              <a:t> </a:t>
+            </a:r>
+            <a:r>
+              <a:rPr lang="ko-KR" altLang="en-US" sz="1500" dirty="0" smtClean="0">
+                <a:solidFill>
+                  <a:schemeClr val="tx1"/>
+                </a:solidFill>
+                <a:latin typeface="배달의민족 한나체 Pro" pitchFamily="50" charset="-127"/>
+                <a:ea typeface="배달의민족 한나체 Pro" pitchFamily="50" charset="-127"/>
+              </a:rPr>
+              <a:t>사용량 파악</a:t>
+            </a:r>
+            <a:endParaRPr lang="ko-KR" altLang="en-US" sz="1500" dirty="0">
+              <a:solidFill>
+                <a:schemeClr val="tx1"/>
+              </a:solidFill>
+              <a:latin typeface="배달의민족 한나체 Pro" pitchFamily="50" charset="-127"/>
+              <a:ea typeface="배달의민족 한나체 Pro" pitchFamily="50" charset="-127"/>
+            </a:endParaRPr>
+          </a:p>
+        </p:txBody>
+      </p:sp>
+      <p:sp>
+        <p:nvSpPr>
+          <p:cNvPr id="11" name="순서도: 처리 10"/>
+          <p:cNvSpPr/>
+          <p:nvPr/>
+        </p:nvSpPr>
+        <p:spPr>
+          <a:xfrm>
+            <a:off x="3741241" y="4411397"/>
+            <a:ext cx="1152128" cy="504056"/>
+          </a:xfrm>
+          <a:prstGeom prst="flowChartProcess">
+            <a:avLst/>
+          </a:prstGeom>
+          <a:solidFill>
+            <a:schemeClr val="bg1"/>
+          </a:solidFill>
+          <a:ln>
+            <a:solidFill>
+              <a:schemeClr val="tx2">
+                <a:lumMod val="60000"/>
+                <a:lumOff val="40000"/>
+              </a:schemeClr>
+            </a:solidFill>
+          </a:ln>
+        </p:spPr>
+        <p:style>
+          <a:lnRef idx="2">
+            <a:schemeClr val="accent1">
+              <a:shade val="50000"/>
+            </a:schemeClr>
+          </a:lnRef>
+          <a:fillRef idx="1">
+            <a:schemeClr val="accent1"/>
+          </a:fillRef>
+          <a:effectRef idx="0">
+            <a:schemeClr val="accent1"/>
+          </a:effectRef>
+          <a:fontRef idx="minor">
+            <a:schemeClr val="lt1"/>
+          </a:fontRef>
+        </p:style>
+        <p:txBody>
+          <a:bodyPr rtlCol="0" anchor="ctr"/>
+          <a:lstStyle/>
+          <a:p>
+            <a:pPr algn="ctr"/>
+            <a:r>
+              <a:rPr lang="en-US" altLang="ko-KR" dirty="0" smtClean="0">
+                <a:solidFill>
+                  <a:schemeClr val="tx1"/>
+                </a:solidFill>
+                <a:latin typeface="배달의민족 한나체 Pro" pitchFamily="50" charset="-127"/>
+                <a:ea typeface="배달의민족 한나체 Pro" pitchFamily="50" charset="-127"/>
+              </a:rPr>
+              <a:t> </a:t>
+            </a:r>
+            <a:r>
+              <a:rPr lang="ko-KR" altLang="en-US" dirty="0" smtClean="0">
+                <a:solidFill>
+                  <a:schemeClr val="tx1"/>
+                </a:solidFill>
+                <a:latin typeface="배달의민족 한나체 Pro" pitchFamily="50" charset="-127"/>
+                <a:ea typeface="배달의민족 한나체 Pro" pitchFamily="50" charset="-127"/>
+              </a:rPr>
+              <a:t>구매 요청</a:t>
+            </a:r>
+            <a:endParaRPr lang="ko-KR" altLang="en-US" dirty="0">
+              <a:solidFill>
+                <a:schemeClr val="tx1"/>
+              </a:solidFill>
+              <a:latin typeface="배달의민족 한나체 Pro" pitchFamily="50" charset="-127"/>
+              <a:ea typeface="배달의민족 한나체 Pro" pitchFamily="50" charset="-127"/>
+            </a:endParaRPr>
+          </a:p>
+        </p:txBody>
+      </p:sp>
+      <p:sp>
+        <p:nvSpPr>
+          <p:cNvPr id="12" name="순서도: 처리 11"/>
+          <p:cNvSpPr/>
+          <p:nvPr/>
+        </p:nvSpPr>
+        <p:spPr>
+          <a:xfrm>
+            <a:off x="5752254" y="3473349"/>
+            <a:ext cx="1152128" cy="504056"/>
+          </a:xfrm>
+          <a:prstGeom prst="flowChartProcess">
+            <a:avLst/>
+          </a:prstGeom>
+          <a:solidFill>
+            <a:schemeClr val="bg1"/>
+          </a:solidFill>
+          <a:ln>
+            <a:solidFill>
+              <a:schemeClr val="tx2">
+                <a:lumMod val="60000"/>
+                <a:lumOff val="40000"/>
+              </a:schemeClr>
+            </a:solidFill>
+          </a:ln>
+        </p:spPr>
+        <p:style>
+          <a:lnRef idx="2">
+            <a:schemeClr val="accent1">
+              <a:shade val="50000"/>
+            </a:schemeClr>
+          </a:lnRef>
+          <a:fillRef idx="1">
+            <a:schemeClr val="accent1"/>
+          </a:fillRef>
+          <a:effectRef idx="0">
+            <a:schemeClr val="accent1"/>
+          </a:effectRef>
+          <a:fontRef idx="minor">
+            <a:schemeClr val="lt1"/>
+          </a:fontRef>
+        </p:style>
+        <p:txBody>
+          <a:bodyPr rtlCol="0" anchor="ctr"/>
+          <a:lstStyle/>
+          <a:p>
+            <a:pPr algn="ctr"/>
+            <a:r>
+              <a:rPr lang="en-US" altLang="ko-KR" dirty="0" smtClean="0">
+                <a:solidFill>
+                  <a:schemeClr val="tx1"/>
+                </a:solidFill>
+                <a:latin typeface="배달의민족 한나체 Pro" pitchFamily="50" charset="-127"/>
+                <a:ea typeface="배달의민족 한나체 Pro" pitchFamily="50" charset="-127"/>
+              </a:rPr>
+              <a:t> P O </a:t>
+            </a:r>
+            <a:r>
+              <a:rPr lang="ko-KR" altLang="en-US" dirty="0" smtClean="0">
+                <a:solidFill>
+                  <a:schemeClr val="tx1"/>
+                </a:solidFill>
+                <a:latin typeface="배달의민족 한나체 Pro" pitchFamily="50" charset="-127"/>
+                <a:ea typeface="배달의민족 한나체 Pro" pitchFamily="50" charset="-127"/>
+              </a:rPr>
+              <a:t>발행</a:t>
+            </a:r>
+            <a:endParaRPr lang="ko-KR" altLang="en-US" dirty="0">
+              <a:solidFill>
+                <a:schemeClr val="tx1"/>
+              </a:solidFill>
+              <a:latin typeface="배달의민족 한나체 Pro" pitchFamily="50" charset="-127"/>
+              <a:ea typeface="배달의민족 한나체 Pro" pitchFamily="50" charset="-127"/>
+            </a:endParaRPr>
+          </a:p>
+        </p:txBody>
+      </p:sp>
+      <p:sp>
+        <p:nvSpPr>
+          <p:cNvPr id="13" name="순서도: 처리 12"/>
+          <p:cNvSpPr/>
+          <p:nvPr/>
+        </p:nvSpPr>
+        <p:spPr>
+          <a:xfrm>
+            <a:off x="5752094" y="4370824"/>
+            <a:ext cx="1152128" cy="504056"/>
+          </a:xfrm>
+          <a:prstGeom prst="flowChartProcess">
+            <a:avLst/>
+          </a:prstGeom>
+          <a:solidFill>
+            <a:schemeClr val="bg1"/>
+          </a:solidFill>
+          <a:ln>
+            <a:solidFill>
+              <a:schemeClr val="tx2">
+                <a:lumMod val="60000"/>
+                <a:lumOff val="40000"/>
+              </a:schemeClr>
+            </a:solidFill>
+          </a:ln>
+        </p:spPr>
+        <p:style>
+          <a:lnRef idx="2">
+            <a:schemeClr val="accent1">
+              <a:shade val="50000"/>
+            </a:schemeClr>
+          </a:lnRef>
+          <a:fillRef idx="1">
+            <a:schemeClr val="accent1"/>
+          </a:fillRef>
+          <a:effectRef idx="0">
+            <a:schemeClr val="accent1"/>
+          </a:effectRef>
+          <a:fontRef idx="minor">
+            <a:schemeClr val="lt1"/>
+          </a:fontRef>
+        </p:style>
+        <p:txBody>
+          <a:bodyPr rtlCol="0" anchor="ctr"/>
+          <a:lstStyle/>
+          <a:p>
+            <a:pPr algn="ctr"/>
+            <a:r>
+              <a:rPr lang="en-US" altLang="ko-KR" dirty="0" smtClean="0">
+                <a:solidFill>
+                  <a:schemeClr val="tx1"/>
+                </a:solidFill>
+                <a:latin typeface="배달의민족 한나체 Pro" pitchFamily="50" charset="-127"/>
+                <a:ea typeface="배달의민족 한나체 Pro" pitchFamily="50" charset="-127"/>
+              </a:rPr>
+              <a:t> </a:t>
+            </a:r>
+            <a:r>
+              <a:rPr lang="ko-KR" altLang="en-US" dirty="0" smtClean="0">
+                <a:solidFill>
+                  <a:schemeClr val="tx1"/>
+                </a:solidFill>
+                <a:latin typeface="배달의민족 한나체 Pro" pitchFamily="50" charset="-127"/>
+                <a:ea typeface="배달의민족 한나체 Pro" pitchFamily="50" charset="-127"/>
+              </a:rPr>
+              <a:t>입 고</a:t>
+            </a:r>
+            <a:endParaRPr lang="ko-KR" altLang="en-US" dirty="0">
+              <a:solidFill>
+                <a:schemeClr val="tx1"/>
+              </a:solidFill>
+              <a:latin typeface="배달의민족 한나체 Pro" pitchFamily="50" charset="-127"/>
+              <a:ea typeface="배달의민족 한나체 Pro" pitchFamily="50" charset="-127"/>
+            </a:endParaRPr>
+          </a:p>
+        </p:txBody>
+      </p:sp>
+      <p:sp>
+        <p:nvSpPr>
+          <p:cNvPr id="14" name="순서도: 처리 13"/>
+          <p:cNvSpPr/>
+          <p:nvPr/>
+        </p:nvSpPr>
+        <p:spPr>
+          <a:xfrm>
+            <a:off x="7477976" y="5356677"/>
+            <a:ext cx="1152128" cy="504056"/>
+          </a:xfrm>
+          <a:prstGeom prst="flowChartProcess">
+            <a:avLst/>
+          </a:prstGeom>
+          <a:solidFill>
+            <a:schemeClr val="bg1"/>
+          </a:solidFill>
+          <a:ln>
+            <a:solidFill>
+              <a:schemeClr val="tx2">
+                <a:lumMod val="60000"/>
+                <a:lumOff val="40000"/>
+              </a:schemeClr>
+            </a:solidFill>
+          </a:ln>
+        </p:spPr>
+        <p:style>
+          <a:lnRef idx="2">
+            <a:schemeClr val="accent1">
+              <a:shade val="50000"/>
+            </a:schemeClr>
+          </a:lnRef>
+          <a:fillRef idx="1">
+            <a:schemeClr val="accent1"/>
+          </a:fillRef>
+          <a:effectRef idx="0">
+            <a:schemeClr val="accent1"/>
+          </a:effectRef>
+          <a:fontRef idx="minor">
+            <a:schemeClr val="lt1"/>
+          </a:fontRef>
+        </p:style>
+        <p:txBody>
+          <a:bodyPr rtlCol="0" anchor="ctr"/>
+          <a:lstStyle/>
+          <a:p>
+            <a:pPr algn="ctr"/>
+            <a:r>
+              <a:rPr lang="en-US" altLang="ko-KR" dirty="0" smtClean="0">
+                <a:solidFill>
+                  <a:schemeClr val="tx1"/>
+                </a:solidFill>
+                <a:latin typeface="배달의민족 한나체 Pro" pitchFamily="50" charset="-127"/>
+                <a:ea typeface="배달의민족 한나체 Pro" pitchFamily="50" charset="-127"/>
+              </a:rPr>
+              <a:t> I V</a:t>
+            </a:r>
+            <a:endParaRPr lang="ko-KR" altLang="en-US" dirty="0">
+              <a:solidFill>
+                <a:schemeClr val="tx1"/>
+              </a:solidFill>
+              <a:latin typeface="배달의민족 한나체 Pro" pitchFamily="50" charset="-127"/>
+              <a:ea typeface="배달의민족 한나체 Pro" pitchFamily="50" charset="-127"/>
+            </a:endParaRPr>
+          </a:p>
+        </p:txBody>
+      </p:sp>
+      <p:sp>
+        <p:nvSpPr>
+          <p:cNvPr id="15" name="순서도: 처리 14"/>
+          <p:cNvSpPr/>
+          <p:nvPr/>
+        </p:nvSpPr>
+        <p:spPr>
+          <a:xfrm>
+            <a:off x="2036709" y="3839808"/>
+            <a:ext cx="1152128" cy="504056"/>
+          </a:xfrm>
+          <a:prstGeom prst="flowChartProcess">
+            <a:avLst/>
+          </a:prstGeom>
+          <a:solidFill>
+            <a:schemeClr val="bg1"/>
+          </a:solidFill>
+          <a:ln>
+            <a:solidFill>
+              <a:schemeClr val="tx1"/>
+            </a:solidFill>
+          </a:ln>
+        </p:spPr>
+        <p:style>
+          <a:lnRef idx="2">
+            <a:schemeClr val="accent1">
+              <a:shade val="50000"/>
+            </a:schemeClr>
+          </a:lnRef>
+          <a:fillRef idx="1">
+            <a:schemeClr val="accent1"/>
+          </a:fillRef>
+          <a:effectRef idx="0">
+            <a:schemeClr val="accent1"/>
+          </a:effectRef>
+          <a:fontRef idx="minor">
+            <a:schemeClr val="lt1"/>
+          </a:fontRef>
+        </p:style>
+        <p:txBody>
+          <a:bodyPr rtlCol="0" anchor="ctr"/>
+          <a:lstStyle/>
+          <a:p>
+            <a:pPr algn="ctr"/>
+            <a:r>
+              <a:rPr lang="en-US" altLang="ko-KR" dirty="0" smtClean="0">
+                <a:solidFill>
+                  <a:schemeClr val="tx1"/>
+                </a:solidFill>
+                <a:latin typeface="배달의민족 한나체 Pro" pitchFamily="50" charset="-127"/>
+                <a:ea typeface="배달의민족 한나체 Pro" pitchFamily="50" charset="-127"/>
+              </a:rPr>
+              <a:t> </a:t>
+            </a:r>
+            <a:r>
+              <a:rPr lang="ko-KR" altLang="en-US" dirty="0" smtClean="0">
+                <a:solidFill>
+                  <a:schemeClr val="tx1"/>
+                </a:solidFill>
+                <a:latin typeface="배달의민족 한나체 Pro" pitchFamily="50" charset="-127"/>
+                <a:ea typeface="배달의민족 한나체 Pro" pitchFamily="50" charset="-127"/>
+              </a:rPr>
+              <a:t>생산 계획</a:t>
+            </a:r>
+            <a:endParaRPr lang="ko-KR" altLang="en-US" dirty="0">
+              <a:solidFill>
+                <a:schemeClr val="tx1"/>
+              </a:solidFill>
+              <a:latin typeface="배달의민족 한나체 Pro" pitchFamily="50" charset="-127"/>
+              <a:ea typeface="배달의민족 한나체 Pro" pitchFamily="50" charset="-127"/>
+            </a:endParaRPr>
+          </a:p>
+        </p:txBody>
+      </p:sp>
+      <p:sp>
+        <p:nvSpPr>
+          <p:cNvPr id="16" name="순서도: 처리 15"/>
+          <p:cNvSpPr/>
+          <p:nvPr/>
+        </p:nvSpPr>
+        <p:spPr>
+          <a:xfrm>
+            <a:off x="2041718" y="4775912"/>
+            <a:ext cx="1152128" cy="504056"/>
+          </a:xfrm>
+          <a:prstGeom prst="flowChartProcess">
+            <a:avLst/>
+          </a:prstGeom>
+          <a:solidFill>
+            <a:schemeClr val="bg1"/>
+          </a:solidFill>
+          <a:ln>
+            <a:solidFill>
+              <a:schemeClr val="tx1"/>
+            </a:solidFill>
+          </a:ln>
+        </p:spPr>
+        <p:style>
+          <a:lnRef idx="2">
+            <a:schemeClr val="accent1">
+              <a:shade val="50000"/>
+            </a:schemeClr>
+          </a:lnRef>
+          <a:fillRef idx="1">
+            <a:schemeClr val="accent1"/>
+          </a:fillRef>
+          <a:effectRef idx="0">
+            <a:schemeClr val="accent1"/>
+          </a:effectRef>
+          <a:fontRef idx="minor">
+            <a:schemeClr val="lt1"/>
+          </a:fontRef>
+        </p:style>
+        <p:txBody>
+          <a:bodyPr rtlCol="0" anchor="ctr"/>
+          <a:lstStyle/>
+          <a:p>
+            <a:pPr algn="ctr"/>
+            <a:r>
+              <a:rPr lang="en-US" altLang="ko-KR" dirty="0" smtClean="0">
+                <a:solidFill>
+                  <a:schemeClr val="tx1"/>
+                </a:solidFill>
+                <a:latin typeface="배달의민족 한나체 Pro" pitchFamily="50" charset="-127"/>
+                <a:ea typeface="배달의민족 한나체 Pro" pitchFamily="50" charset="-127"/>
+              </a:rPr>
+              <a:t> </a:t>
+            </a:r>
+            <a:r>
+              <a:rPr lang="ko-KR" altLang="en-US" dirty="0" smtClean="0">
+                <a:solidFill>
+                  <a:schemeClr val="tx1"/>
+                </a:solidFill>
+                <a:latin typeface="배달의민족 한나체 Pro" pitchFamily="50" charset="-127"/>
+                <a:ea typeface="배달의민족 한나체 Pro" pitchFamily="50" charset="-127"/>
+              </a:rPr>
+              <a:t>생 산</a:t>
+            </a:r>
+            <a:endParaRPr lang="ko-KR" altLang="en-US" dirty="0">
+              <a:solidFill>
+                <a:schemeClr val="tx1"/>
+              </a:solidFill>
+              <a:latin typeface="배달의민족 한나체 Pro" pitchFamily="50" charset="-127"/>
+              <a:ea typeface="배달의민족 한나체 Pro" pitchFamily="50" charset="-127"/>
+            </a:endParaRPr>
+          </a:p>
+        </p:txBody>
+      </p:sp>
+      <p:sp>
+        <p:nvSpPr>
+          <p:cNvPr id="17" name="순서도: 처리 16"/>
+          <p:cNvSpPr/>
+          <p:nvPr/>
+        </p:nvSpPr>
+        <p:spPr>
+          <a:xfrm>
+            <a:off x="2036709" y="5712016"/>
+            <a:ext cx="1152128" cy="504056"/>
+          </a:xfrm>
+          <a:prstGeom prst="flowChartProcess">
+            <a:avLst/>
+          </a:prstGeom>
+          <a:solidFill>
+            <a:schemeClr val="bg1"/>
+          </a:solidFill>
+          <a:ln>
+            <a:solidFill>
+              <a:schemeClr val="tx1"/>
+            </a:solidFill>
+          </a:ln>
+        </p:spPr>
+        <p:style>
+          <a:lnRef idx="2">
+            <a:schemeClr val="accent1">
+              <a:shade val="50000"/>
+            </a:schemeClr>
+          </a:lnRef>
+          <a:fillRef idx="1">
+            <a:schemeClr val="accent1"/>
+          </a:fillRef>
+          <a:effectRef idx="0">
+            <a:schemeClr val="accent1"/>
+          </a:effectRef>
+          <a:fontRef idx="minor">
+            <a:schemeClr val="lt1"/>
+          </a:fontRef>
+        </p:style>
+        <p:txBody>
+          <a:bodyPr rtlCol="0" anchor="ctr"/>
+          <a:lstStyle/>
+          <a:p>
+            <a:pPr algn="ctr"/>
+            <a:r>
+              <a:rPr lang="en-US" altLang="ko-KR" dirty="0" smtClean="0">
+                <a:solidFill>
+                  <a:schemeClr val="tx1"/>
+                </a:solidFill>
+                <a:latin typeface="배달의민족 한나체 Pro" pitchFamily="50" charset="-127"/>
+                <a:ea typeface="배달의민족 한나체 Pro" pitchFamily="50" charset="-127"/>
+              </a:rPr>
+              <a:t> </a:t>
+            </a:r>
+            <a:r>
+              <a:rPr lang="ko-KR" altLang="en-US" dirty="0" smtClean="0">
+                <a:solidFill>
+                  <a:schemeClr val="tx1"/>
+                </a:solidFill>
+                <a:latin typeface="배달의민족 한나체 Pro" pitchFamily="50" charset="-127"/>
+                <a:ea typeface="배달의민족 한나체 Pro" pitchFamily="50" charset="-127"/>
+              </a:rPr>
+              <a:t>출 고</a:t>
+            </a:r>
+            <a:endParaRPr lang="ko-KR" altLang="en-US" dirty="0">
+              <a:solidFill>
+                <a:schemeClr val="tx1"/>
+              </a:solidFill>
+              <a:latin typeface="배달의민족 한나체 Pro" pitchFamily="50" charset="-127"/>
+              <a:ea typeface="배달의민족 한나체 Pro" pitchFamily="50" charset="-127"/>
+            </a:endParaRPr>
+          </a:p>
+        </p:txBody>
+      </p:sp>
+      <p:cxnSp>
+        <p:nvCxnSpPr>
+          <p:cNvPr id="19" name="직선 화살표 연결선 18"/>
+          <p:cNvCxnSpPr/>
+          <p:nvPr/>
+        </p:nvCxnSpPr>
+        <p:spPr>
+          <a:xfrm>
+            <a:off x="827584" y="2016703"/>
+            <a:ext cx="0" cy="360040"/>
+          </a:xfrm>
+          <a:prstGeom prst="straightConnector1">
+            <a:avLst/>
+          </a:prstGeom>
+          <a:ln w="28575">
+            <a:solidFill>
+              <a:schemeClr val="tx2">
+                <a:lumMod val="60000"/>
+                <a:lumOff val="40000"/>
+              </a:schemeClr>
+            </a:solidFill>
+            <a:tailEnd type="arrow"/>
+          </a:ln>
+        </p:spPr>
+        <p:style>
+          <a:lnRef idx="1">
+            <a:schemeClr val="accent1"/>
+          </a:lnRef>
+          <a:fillRef idx="0">
+            <a:schemeClr val="accent1"/>
+          </a:fillRef>
+          <a:effectRef idx="0">
+            <a:schemeClr val="accent1"/>
+          </a:effectRef>
+          <a:fontRef idx="minor">
+            <a:schemeClr val="tx1"/>
+          </a:fontRef>
+        </p:style>
+      </p:cxnSp>
+      <p:cxnSp>
+        <p:nvCxnSpPr>
+          <p:cNvPr id="20" name="꺾인 연결선 19"/>
+          <p:cNvCxnSpPr>
+            <a:stCxn id="8" idx="3"/>
+            <a:endCxn id="9" idx="0"/>
+          </p:cNvCxnSpPr>
+          <p:nvPr/>
+        </p:nvCxnSpPr>
+        <p:spPr>
+          <a:xfrm>
+            <a:off x="1399646" y="2628771"/>
+            <a:ext cx="1213127" cy="274933"/>
+          </a:xfrm>
+          <a:prstGeom prst="bentConnector2">
+            <a:avLst/>
+          </a:prstGeom>
+          <a:ln w="28575">
+            <a:solidFill>
+              <a:schemeClr val="tx1"/>
+            </a:solidFill>
+            <a:tailEnd type="arrow"/>
+          </a:ln>
+        </p:spPr>
+        <p:style>
+          <a:lnRef idx="1">
+            <a:schemeClr val="accent1"/>
+          </a:lnRef>
+          <a:fillRef idx="0">
+            <a:schemeClr val="accent1"/>
+          </a:fillRef>
+          <a:effectRef idx="0">
+            <a:schemeClr val="accent1"/>
+          </a:effectRef>
+          <a:fontRef idx="minor">
+            <a:schemeClr val="tx1"/>
+          </a:fontRef>
+        </p:style>
+      </p:cxnSp>
+      <p:cxnSp>
+        <p:nvCxnSpPr>
+          <p:cNvPr id="22" name="직선 화살표 연결선 21"/>
+          <p:cNvCxnSpPr>
+            <a:stCxn id="9" idx="2"/>
+            <a:endCxn id="15" idx="0"/>
+          </p:cNvCxnSpPr>
+          <p:nvPr/>
+        </p:nvCxnSpPr>
+        <p:spPr>
+          <a:xfrm>
+            <a:off x="2612773" y="3407760"/>
+            <a:ext cx="0" cy="432048"/>
+          </a:xfrm>
+          <a:prstGeom prst="straightConnector1">
+            <a:avLst/>
+          </a:prstGeom>
+          <a:ln w="28575">
+            <a:solidFill>
+              <a:schemeClr val="tx1"/>
+            </a:solidFill>
+            <a:tailEnd type="arrow"/>
+          </a:ln>
+        </p:spPr>
+        <p:style>
+          <a:lnRef idx="1">
+            <a:schemeClr val="accent1"/>
+          </a:lnRef>
+          <a:fillRef idx="0">
+            <a:schemeClr val="accent1"/>
+          </a:fillRef>
+          <a:effectRef idx="0">
+            <a:schemeClr val="accent1"/>
+          </a:effectRef>
+          <a:fontRef idx="minor">
+            <a:schemeClr val="tx1"/>
+          </a:fontRef>
+        </p:style>
+      </p:cxnSp>
+      <p:cxnSp>
+        <p:nvCxnSpPr>
+          <p:cNvPr id="23" name="직선 화살표 연결선 22"/>
+          <p:cNvCxnSpPr>
+            <a:endCxn id="16" idx="0"/>
+          </p:cNvCxnSpPr>
+          <p:nvPr/>
+        </p:nvCxnSpPr>
+        <p:spPr>
+          <a:xfrm flipH="1">
+            <a:off x="2617782" y="4343864"/>
+            <a:ext cx="1" cy="432048"/>
+          </a:xfrm>
+          <a:prstGeom prst="straightConnector1">
+            <a:avLst/>
+          </a:prstGeom>
+          <a:ln w="28575">
+            <a:solidFill>
+              <a:schemeClr val="tx1"/>
+            </a:solidFill>
+            <a:tailEnd type="arrow"/>
+          </a:ln>
+        </p:spPr>
+        <p:style>
+          <a:lnRef idx="1">
+            <a:schemeClr val="accent1"/>
+          </a:lnRef>
+          <a:fillRef idx="0">
+            <a:schemeClr val="accent1"/>
+          </a:fillRef>
+          <a:effectRef idx="0">
+            <a:schemeClr val="accent1"/>
+          </a:effectRef>
+          <a:fontRef idx="minor">
+            <a:schemeClr val="tx1"/>
+          </a:fontRef>
+        </p:style>
+      </p:cxnSp>
+      <p:cxnSp>
+        <p:nvCxnSpPr>
+          <p:cNvPr id="24" name="직선 화살표 연결선 23"/>
+          <p:cNvCxnSpPr>
+            <a:endCxn id="17" idx="0"/>
+          </p:cNvCxnSpPr>
+          <p:nvPr/>
+        </p:nvCxnSpPr>
+        <p:spPr>
+          <a:xfrm flipH="1">
+            <a:off x="2612773" y="5279968"/>
+            <a:ext cx="5010" cy="432048"/>
+          </a:xfrm>
+          <a:prstGeom prst="straightConnector1">
+            <a:avLst/>
+          </a:prstGeom>
+          <a:ln w="28575">
+            <a:solidFill>
+              <a:schemeClr val="tx1"/>
+            </a:solidFill>
+            <a:tailEnd type="arrow"/>
+          </a:ln>
+        </p:spPr>
+        <p:style>
+          <a:lnRef idx="1">
+            <a:schemeClr val="accent1"/>
+          </a:lnRef>
+          <a:fillRef idx="0">
+            <a:schemeClr val="accent1"/>
+          </a:fillRef>
+          <a:effectRef idx="0">
+            <a:schemeClr val="accent1"/>
+          </a:effectRef>
+          <a:fontRef idx="minor">
+            <a:schemeClr val="tx1"/>
+          </a:fontRef>
+        </p:style>
+      </p:cxnSp>
+      <p:cxnSp>
+        <p:nvCxnSpPr>
+          <p:cNvPr id="27" name="직선 화살표 연결선 26"/>
+          <p:cNvCxnSpPr>
+            <a:stCxn id="12" idx="2"/>
+            <a:endCxn id="13" idx="0"/>
+          </p:cNvCxnSpPr>
+          <p:nvPr/>
+        </p:nvCxnSpPr>
+        <p:spPr>
+          <a:xfrm flipH="1">
+            <a:off x="6328158" y="3977405"/>
+            <a:ext cx="160" cy="393419"/>
+          </a:xfrm>
+          <a:prstGeom prst="straightConnector1">
+            <a:avLst/>
+          </a:prstGeom>
+          <a:ln w="28575">
+            <a:solidFill>
+              <a:schemeClr val="tx2">
+                <a:lumMod val="60000"/>
+                <a:lumOff val="40000"/>
+              </a:schemeClr>
+            </a:solidFill>
+            <a:tailEnd type="arrow"/>
+          </a:ln>
+        </p:spPr>
+        <p:style>
+          <a:lnRef idx="1">
+            <a:schemeClr val="accent1"/>
+          </a:lnRef>
+          <a:fillRef idx="0">
+            <a:schemeClr val="accent1"/>
+          </a:fillRef>
+          <a:effectRef idx="0">
+            <a:schemeClr val="accent1"/>
+          </a:effectRef>
+          <a:fontRef idx="minor">
+            <a:schemeClr val="tx1"/>
+          </a:fontRef>
+        </p:style>
+      </p:cxnSp>
+      <p:cxnSp>
+        <p:nvCxnSpPr>
+          <p:cNvPr id="30" name="직선 화살표 연결선 29"/>
+          <p:cNvCxnSpPr>
+            <a:stCxn id="17" idx="1"/>
+            <a:endCxn id="68" idx="3"/>
+          </p:cNvCxnSpPr>
+          <p:nvPr/>
+        </p:nvCxnSpPr>
+        <p:spPr>
+          <a:xfrm flipH="1">
+            <a:off x="1430399" y="5964044"/>
+            <a:ext cx="606310" cy="0"/>
+          </a:xfrm>
+          <a:prstGeom prst="straightConnector1">
+            <a:avLst/>
+          </a:prstGeom>
+          <a:ln w="28575">
+            <a:solidFill>
+              <a:schemeClr val="tx1"/>
+            </a:solidFill>
+            <a:tailEnd type="arrow"/>
+          </a:ln>
+        </p:spPr>
+        <p:style>
+          <a:lnRef idx="1">
+            <a:schemeClr val="accent1"/>
+          </a:lnRef>
+          <a:fillRef idx="0">
+            <a:schemeClr val="accent1"/>
+          </a:fillRef>
+          <a:effectRef idx="0">
+            <a:schemeClr val="accent1"/>
+          </a:effectRef>
+          <a:fontRef idx="minor">
+            <a:schemeClr val="tx1"/>
+          </a:fontRef>
+        </p:style>
+      </p:cxnSp>
+      <p:sp>
+        <p:nvSpPr>
+          <p:cNvPr id="31" name="모서리가 둥근 직사각형 30"/>
+          <p:cNvSpPr/>
+          <p:nvPr/>
+        </p:nvSpPr>
+        <p:spPr>
+          <a:xfrm>
+            <a:off x="477545" y="764704"/>
+            <a:ext cx="753580" cy="504056"/>
+          </a:xfrm>
+          <a:prstGeom prst="roundRect">
+            <a:avLst/>
+          </a:prstGeom>
+          <a:solidFill>
+            <a:schemeClr val="bg1"/>
+          </a:solidFill>
+          <a:ln>
+            <a:solidFill>
+              <a:schemeClr val="tx1"/>
+            </a:solidFill>
+          </a:ln>
+        </p:spPr>
+        <p:style>
+          <a:lnRef idx="2">
+            <a:schemeClr val="accent1">
+              <a:shade val="50000"/>
+            </a:schemeClr>
+          </a:lnRef>
+          <a:fillRef idx="1">
+            <a:schemeClr val="accent1"/>
+          </a:fillRef>
+          <a:effectRef idx="0">
+            <a:schemeClr val="accent1"/>
+          </a:effectRef>
+          <a:fontRef idx="minor">
+            <a:schemeClr val="lt1"/>
+          </a:fontRef>
+        </p:style>
+        <p:txBody>
+          <a:bodyPr rtlCol="0" anchor="ctr"/>
+          <a:lstStyle/>
+          <a:p>
+            <a:pPr algn="ctr"/>
+            <a:r>
+              <a:rPr lang="ko-KR" altLang="en-US" dirty="0" smtClean="0">
+                <a:solidFill>
+                  <a:schemeClr val="tx1"/>
+                </a:solidFill>
+                <a:latin typeface="배달의민족 한나체 Pro" pitchFamily="50" charset="-127"/>
+                <a:ea typeface="배달의민족 한나체 Pro" pitchFamily="50" charset="-127"/>
+              </a:rPr>
+              <a:t>영업</a:t>
+            </a:r>
+            <a:endParaRPr lang="ko-KR" altLang="en-US" dirty="0">
+              <a:solidFill>
+                <a:schemeClr val="tx1"/>
+              </a:solidFill>
+              <a:latin typeface="배달의민족 한나체 Pro" pitchFamily="50" charset="-127"/>
+              <a:ea typeface="배달의민족 한나체 Pro" pitchFamily="50" charset="-127"/>
+            </a:endParaRPr>
+          </a:p>
+        </p:txBody>
+      </p:sp>
+      <p:sp>
+        <p:nvSpPr>
+          <p:cNvPr id="32" name="모서리가 둥근 직사각형 31"/>
+          <p:cNvSpPr/>
+          <p:nvPr/>
+        </p:nvSpPr>
+        <p:spPr>
+          <a:xfrm>
+            <a:off x="2201494" y="761564"/>
+            <a:ext cx="722060" cy="521067"/>
+          </a:xfrm>
+          <a:prstGeom prst="roundRect">
+            <a:avLst/>
+          </a:prstGeom>
+          <a:solidFill>
+            <a:schemeClr val="bg1"/>
+          </a:solidFill>
+          <a:ln>
+            <a:solidFill>
+              <a:schemeClr val="tx1"/>
+            </a:solidFill>
+          </a:ln>
+        </p:spPr>
+        <p:style>
+          <a:lnRef idx="2">
+            <a:schemeClr val="accent1">
+              <a:shade val="50000"/>
+            </a:schemeClr>
+          </a:lnRef>
+          <a:fillRef idx="1">
+            <a:schemeClr val="accent1"/>
+          </a:fillRef>
+          <a:effectRef idx="0">
+            <a:schemeClr val="accent1"/>
+          </a:effectRef>
+          <a:fontRef idx="minor">
+            <a:schemeClr val="lt1"/>
+          </a:fontRef>
+        </p:style>
+        <p:txBody>
+          <a:bodyPr rtlCol="0" anchor="ctr"/>
+          <a:lstStyle/>
+          <a:p>
+            <a:pPr algn="ctr"/>
+            <a:r>
+              <a:rPr lang="ko-KR" altLang="en-US" dirty="0" smtClean="0">
+                <a:solidFill>
+                  <a:schemeClr val="tx1"/>
+                </a:solidFill>
+                <a:latin typeface="배달의민족 한나체 Pro" pitchFamily="50" charset="-127"/>
+                <a:ea typeface="배달의민족 한나체 Pro" pitchFamily="50" charset="-127"/>
+              </a:rPr>
+              <a:t>생산</a:t>
+            </a:r>
+            <a:endParaRPr lang="ko-KR" altLang="en-US" dirty="0">
+              <a:solidFill>
+                <a:schemeClr val="tx1"/>
+              </a:solidFill>
+              <a:latin typeface="배달의민족 한나체 Pro" pitchFamily="50" charset="-127"/>
+              <a:ea typeface="배달의민족 한나체 Pro" pitchFamily="50" charset="-127"/>
+            </a:endParaRPr>
+          </a:p>
+        </p:txBody>
+      </p:sp>
+      <p:sp>
+        <p:nvSpPr>
+          <p:cNvPr id="33" name="모서리가 둥근 직사각형 32"/>
+          <p:cNvSpPr/>
+          <p:nvPr/>
+        </p:nvSpPr>
+        <p:spPr>
+          <a:xfrm>
+            <a:off x="5932114" y="741069"/>
+            <a:ext cx="792088" cy="504056"/>
+          </a:xfrm>
+          <a:prstGeom prst="roundRect">
+            <a:avLst/>
+          </a:prstGeom>
+          <a:solidFill>
+            <a:schemeClr val="bg1"/>
+          </a:solidFill>
+          <a:ln>
+            <a:solidFill>
+              <a:schemeClr val="tx2">
+                <a:lumMod val="60000"/>
+                <a:lumOff val="40000"/>
+              </a:schemeClr>
+            </a:solidFill>
+          </a:ln>
+        </p:spPr>
+        <p:style>
+          <a:lnRef idx="2">
+            <a:schemeClr val="accent1">
+              <a:shade val="50000"/>
+            </a:schemeClr>
+          </a:lnRef>
+          <a:fillRef idx="1">
+            <a:schemeClr val="accent1"/>
+          </a:fillRef>
+          <a:effectRef idx="0">
+            <a:schemeClr val="accent1"/>
+          </a:effectRef>
+          <a:fontRef idx="minor">
+            <a:schemeClr val="lt1"/>
+          </a:fontRef>
+        </p:style>
+        <p:txBody>
+          <a:bodyPr rtlCol="0" anchor="ctr"/>
+          <a:lstStyle/>
+          <a:p>
+            <a:pPr algn="ctr"/>
+            <a:r>
+              <a:rPr lang="ko-KR" altLang="en-US" smtClean="0">
+                <a:solidFill>
+                  <a:schemeClr val="tx1"/>
+                </a:solidFill>
+                <a:latin typeface="배달의민족 한나체 Pro" pitchFamily="50" charset="-127"/>
+                <a:ea typeface="배달의민족 한나체 Pro" pitchFamily="50" charset="-127"/>
+              </a:rPr>
+              <a:t>구매</a:t>
+            </a:r>
+            <a:endParaRPr lang="ko-KR" altLang="en-US" dirty="0">
+              <a:solidFill>
+                <a:schemeClr val="tx1"/>
+              </a:solidFill>
+              <a:latin typeface="배달의민족 한나체 Pro" pitchFamily="50" charset="-127"/>
+              <a:ea typeface="배달의민족 한나체 Pro" pitchFamily="50" charset="-127"/>
+            </a:endParaRPr>
+          </a:p>
+        </p:txBody>
+      </p:sp>
+      <p:cxnSp>
+        <p:nvCxnSpPr>
+          <p:cNvPr id="52" name="꺾인 연결선 51"/>
+          <p:cNvCxnSpPr>
+            <a:stCxn id="8" idx="3"/>
+            <a:endCxn id="10" idx="1"/>
+          </p:cNvCxnSpPr>
+          <p:nvPr/>
+        </p:nvCxnSpPr>
+        <p:spPr>
+          <a:xfrm flipV="1">
+            <a:off x="1399646" y="1897449"/>
+            <a:ext cx="2341595" cy="731322"/>
+          </a:xfrm>
+          <a:prstGeom prst="bentConnector3">
+            <a:avLst>
+              <a:gd name="adj1" fmla="val 51759"/>
+            </a:avLst>
+          </a:prstGeom>
+          <a:ln w="28575">
+            <a:tailEnd type="triangle"/>
+          </a:ln>
+        </p:spPr>
+        <p:style>
+          <a:lnRef idx="1">
+            <a:schemeClr val="accent1"/>
+          </a:lnRef>
+          <a:fillRef idx="0">
+            <a:schemeClr val="accent1"/>
+          </a:fillRef>
+          <a:effectRef idx="0">
+            <a:schemeClr val="accent1"/>
+          </a:effectRef>
+          <a:fontRef idx="minor">
+            <a:schemeClr val="tx1"/>
+          </a:fontRef>
+        </p:style>
+      </p:cxnSp>
+      <p:sp>
+        <p:nvSpPr>
+          <p:cNvPr id="54" name="순서도: 처리 53"/>
+          <p:cNvSpPr/>
+          <p:nvPr/>
+        </p:nvSpPr>
+        <p:spPr>
+          <a:xfrm>
+            <a:off x="3744929" y="2966588"/>
+            <a:ext cx="1152128" cy="504056"/>
+          </a:xfrm>
+          <a:prstGeom prst="flowChartProcess">
+            <a:avLst/>
+          </a:prstGeom>
+          <a:solidFill>
+            <a:schemeClr val="bg1"/>
+          </a:solidFill>
+          <a:ln>
+            <a:solidFill>
+              <a:schemeClr val="tx2">
+                <a:lumMod val="60000"/>
+                <a:lumOff val="40000"/>
+              </a:schemeClr>
+            </a:solidFill>
+          </a:ln>
+        </p:spPr>
+        <p:style>
+          <a:lnRef idx="2">
+            <a:schemeClr val="accent1">
+              <a:shade val="50000"/>
+            </a:schemeClr>
+          </a:lnRef>
+          <a:fillRef idx="1">
+            <a:schemeClr val="accent1"/>
+          </a:fillRef>
+          <a:effectRef idx="0">
+            <a:schemeClr val="accent1"/>
+          </a:effectRef>
+          <a:fontRef idx="minor">
+            <a:schemeClr val="lt1"/>
+          </a:fontRef>
+        </p:style>
+        <p:txBody>
+          <a:bodyPr rtlCol="0" anchor="ctr"/>
+          <a:lstStyle/>
+          <a:p>
+            <a:pPr algn="ctr"/>
+            <a:r>
+              <a:rPr lang="en-US" altLang="ko-KR" dirty="0" smtClean="0">
+                <a:solidFill>
+                  <a:schemeClr val="tx1"/>
+                </a:solidFill>
+                <a:latin typeface="배달의민족 한나체 Pro" pitchFamily="50" charset="-127"/>
+                <a:ea typeface="배달의민족 한나체 Pro" pitchFamily="50" charset="-127"/>
+              </a:rPr>
+              <a:t> </a:t>
+            </a:r>
+            <a:r>
+              <a:rPr lang="ko-KR" altLang="en-US" dirty="0" smtClean="0">
+                <a:solidFill>
+                  <a:schemeClr val="tx1"/>
+                </a:solidFill>
+                <a:latin typeface="배달의민족 한나체 Pro" pitchFamily="50" charset="-127"/>
+                <a:ea typeface="배달의민족 한나체 Pro" pitchFamily="50" charset="-127"/>
+              </a:rPr>
+              <a:t>시스템</a:t>
+            </a:r>
+            <a:endParaRPr lang="en-US" altLang="ko-KR" dirty="0" smtClean="0">
+              <a:solidFill>
+                <a:schemeClr val="tx1"/>
+              </a:solidFill>
+              <a:latin typeface="배달의민족 한나체 Pro" pitchFamily="50" charset="-127"/>
+              <a:ea typeface="배달의민족 한나체 Pro" pitchFamily="50" charset="-127"/>
+            </a:endParaRPr>
+          </a:p>
+          <a:p>
+            <a:pPr algn="ctr"/>
+            <a:r>
+              <a:rPr lang="ko-KR" altLang="en-US" dirty="0" smtClean="0">
+                <a:solidFill>
+                  <a:schemeClr val="tx1"/>
+                </a:solidFill>
+                <a:latin typeface="배달의민족 한나체 Pro" pitchFamily="50" charset="-127"/>
+                <a:ea typeface="배달의민족 한나체 Pro" pitchFamily="50" charset="-127"/>
+              </a:rPr>
+              <a:t>재고 파악</a:t>
+            </a:r>
+            <a:endParaRPr lang="ko-KR" altLang="en-US" dirty="0">
+              <a:solidFill>
+                <a:schemeClr val="tx1"/>
+              </a:solidFill>
+              <a:latin typeface="배달의민족 한나체 Pro" pitchFamily="50" charset="-127"/>
+              <a:ea typeface="배달의민족 한나체 Pro" pitchFamily="50" charset="-127"/>
+            </a:endParaRPr>
+          </a:p>
+        </p:txBody>
+      </p:sp>
+      <p:cxnSp>
+        <p:nvCxnSpPr>
+          <p:cNvPr id="55" name="직선 화살표 연결선 54"/>
+          <p:cNvCxnSpPr>
+            <a:stCxn id="10" idx="2"/>
+            <a:endCxn id="54" idx="0"/>
+          </p:cNvCxnSpPr>
+          <p:nvPr/>
+        </p:nvCxnSpPr>
+        <p:spPr>
+          <a:xfrm>
+            <a:off x="4317305" y="2149477"/>
+            <a:ext cx="3688" cy="817111"/>
+          </a:xfrm>
+          <a:prstGeom prst="straightConnector1">
+            <a:avLst/>
+          </a:prstGeom>
+          <a:ln w="28575">
+            <a:solidFill>
+              <a:schemeClr val="tx2">
+                <a:lumMod val="60000"/>
+                <a:lumOff val="40000"/>
+              </a:schemeClr>
+            </a:solidFill>
+            <a:tailEnd type="arrow"/>
+          </a:ln>
+        </p:spPr>
+        <p:style>
+          <a:lnRef idx="1">
+            <a:schemeClr val="accent1"/>
+          </a:lnRef>
+          <a:fillRef idx="0">
+            <a:schemeClr val="accent1"/>
+          </a:fillRef>
+          <a:effectRef idx="0">
+            <a:schemeClr val="accent1"/>
+          </a:effectRef>
+          <a:fontRef idx="minor">
+            <a:schemeClr val="tx1"/>
+          </a:fontRef>
+        </p:style>
+      </p:cxnSp>
+      <p:cxnSp>
+        <p:nvCxnSpPr>
+          <p:cNvPr id="66" name="직선 화살표 연결선 65"/>
+          <p:cNvCxnSpPr>
+            <a:stCxn id="54" idx="2"/>
+            <a:endCxn id="11" idx="0"/>
+          </p:cNvCxnSpPr>
+          <p:nvPr/>
+        </p:nvCxnSpPr>
+        <p:spPr>
+          <a:xfrm flipH="1">
+            <a:off x="4317305" y="3470644"/>
+            <a:ext cx="3688" cy="940753"/>
+          </a:xfrm>
+          <a:prstGeom prst="straightConnector1">
+            <a:avLst/>
+          </a:prstGeom>
+          <a:ln w="28575">
+            <a:solidFill>
+              <a:schemeClr val="tx2">
+                <a:lumMod val="60000"/>
+                <a:lumOff val="40000"/>
+              </a:schemeClr>
+            </a:solidFill>
+            <a:tailEnd type="arrow"/>
+          </a:ln>
+        </p:spPr>
+        <p:style>
+          <a:lnRef idx="1">
+            <a:schemeClr val="accent1"/>
+          </a:lnRef>
+          <a:fillRef idx="0">
+            <a:schemeClr val="accent1"/>
+          </a:fillRef>
+          <a:effectRef idx="0">
+            <a:schemeClr val="accent1"/>
+          </a:effectRef>
+          <a:fontRef idx="minor">
+            <a:schemeClr val="tx1"/>
+          </a:fontRef>
+        </p:style>
+      </p:cxnSp>
+      <p:sp>
+        <p:nvSpPr>
+          <p:cNvPr id="68" name="순서도: 처리 67"/>
+          <p:cNvSpPr/>
+          <p:nvPr/>
+        </p:nvSpPr>
+        <p:spPr>
+          <a:xfrm>
+            <a:off x="278271" y="5712016"/>
+            <a:ext cx="1152128" cy="504056"/>
+          </a:xfrm>
+          <a:prstGeom prst="flowChartProcess">
+            <a:avLst/>
+          </a:prstGeom>
+          <a:solidFill>
+            <a:schemeClr val="bg1"/>
+          </a:solidFill>
+          <a:ln>
+            <a:solidFill>
+              <a:schemeClr val="tx1"/>
+            </a:solidFill>
+          </a:ln>
+        </p:spPr>
+        <p:style>
+          <a:lnRef idx="2">
+            <a:schemeClr val="accent1">
+              <a:shade val="50000"/>
+            </a:schemeClr>
+          </a:lnRef>
+          <a:fillRef idx="1">
+            <a:schemeClr val="accent1"/>
+          </a:fillRef>
+          <a:effectRef idx="0">
+            <a:schemeClr val="accent1"/>
+          </a:effectRef>
+          <a:fontRef idx="minor">
+            <a:schemeClr val="lt1"/>
+          </a:fontRef>
+        </p:style>
+        <p:txBody>
+          <a:bodyPr rtlCol="0" anchor="ctr"/>
+          <a:lstStyle/>
+          <a:p>
+            <a:pPr algn="ctr"/>
+            <a:r>
+              <a:rPr lang="en-US" altLang="ko-KR" dirty="0" smtClean="0">
+                <a:solidFill>
+                  <a:schemeClr val="tx1"/>
+                </a:solidFill>
+                <a:latin typeface="배달의민족 한나체 Pro" pitchFamily="50" charset="-127"/>
+                <a:ea typeface="배달의민족 한나체 Pro" pitchFamily="50" charset="-127"/>
+              </a:rPr>
+              <a:t> </a:t>
+            </a:r>
+            <a:r>
+              <a:rPr lang="ko-KR" altLang="en-US" dirty="0" smtClean="0">
+                <a:solidFill>
+                  <a:schemeClr val="tx1"/>
+                </a:solidFill>
+                <a:latin typeface="배달의민족 한나체 Pro" pitchFamily="50" charset="-127"/>
+                <a:ea typeface="배달의민족 한나체 Pro" pitchFamily="50" charset="-127"/>
+              </a:rPr>
+              <a:t>판 매</a:t>
+            </a:r>
+            <a:endParaRPr lang="ko-KR" altLang="en-US" dirty="0">
+              <a:solidFill>
+                <a:schemeClr val="tx1"/>
+              </a:solidFill>
+              <a:latin typeface="배달의민족 한나체 Pro" pitchFamily="50" charset="-127"/>
+              <a:ea typeface="배달의민족 한나체 Pro" pitchFamily="50" charset="-127"/>
+            </a:endParaRPr>
+          </a:p>
+        </p:txBody>
+      </p:sp>
+      <p:sp>
+        <p:nvSpPr>
+          <p:cNvPr id="77" name="순서도: 처리 76"/>
+          <p:cNvSpPr/>
+          <p:nvPr/>
+        </p:nvSpPr>
+        <p:spPr>
+          <a:xfrm>
+            <a:off x="5754793" y="1615329"/>
+            <a:ext cx="1152128" cy="504056"/>
+          </a:xfrm>
+          <a:prstGeom prst="flowChartProcess">
+            <a:avLst/>
+          </a:prstGeom>
+          <a:solidFill>
+            <a:schemeClr val="bg1"/>
+          </a:solidFill>
+          <a:ln>
+            <a:solidFill>
+              <a:schemeClr val="tx2">
+                <a:lumMod val="60000"/>
+                <a:lumOff val="40000"/>
+              </a:schemeClr>
+            </a:solidFill>
+          </a:ln>
+        </p:spPr>
+        <p:style>
+          <a:lnRef idx="2">
+            <a:schemeClr val="accent1">
+              <a:shade val="50000"/>
+            </a:schemeClr>
+          </a:lnRef>
+          <a:fillRef idx="1">
+            <a:schemeClr val="accent1"/>
+          </a:fillRef>
+          <a:effectRef idx="0">
+            <a:schemeClr val="accent1"/>
+          </a:effectRef>
+          <a:fontRef idx="minor">
+            <a:schemeClr val="lt1"/>
+          </a:fontRef>
+        </p:style>
+        <p:txBody>
+          <a:bodyPr rtlCol="0" anchor="ctr"/>
+          <a:lstStyle/>
+          <a:p>
+            <a:pPr algn="ctr"/>
+            <a:r>
+              <a:rPr lang="en-US" altLang="ko-KR" dirty="0" smtClean="0">
+                <a:solidFill>
+                  <a:schemeClr val="tx1"/>
+                </a:solidFill>
+                <a:latin typeface="배달의민족 한나체 Pro" pitchFamily="50" charset="-127"/>
+                <a:ea typeface="배달의민족 한나체 Pro" pitchFamily="50" charset="-127"/>
+              </a:rPr>
+              <a:t> </a:t>
+            </a:r>
+            <a:r>
+              <a:rPr lang="ko-KR" altLang="en-US" dirty="0" smtClean="0">
+                <a:solidFill>
+                  <a:schemeClr val="tx1"/>
+                </a:solidFill>
+                <a:latin typeface="배달의민족 한나체 Pro" pitchFamily="50" charset="-127"/>
+                <a:ea typeface="배달의민족 한나체 Pro" pitchFamily="50" charset="-127"/>
+              </a:rPr>
+              <a:t>구매 요청 확인</a:t>
+            </a:r>
+            <a:endParaRPr lang="ko-KR" altLang="en-US" dirty="0">
+              <a:solidFill>
+                <a:schemeClr val="tx1"/>
+              </a:solidFill>
+              <a:latin typeface="배달의민족 한나체 Pro" pitchFamily="50" charset="-127"/>
+              <a:ea typeface="배달의민족 한나체 Pro" pitchFamily="50" charset="-127"/>
+            </a:endParaRPr>
+          </a:p>
+        </p:txBody>
+      </p:sp>
+      <p:sp>
+        <p:nvSpPr>
+          <p:cNvPr id="78" name="순서도: 처리 77"/>
+          <p:cNvSpPr/>
+          <p:nvPr/>
+        </p:nvSpPr>
+        <p:spPr>
+          <a:xfrm>
+            <a:off x="5752094" y="2508601"/>
+            <a:ext cx="1152128" cy="504056"/>
+          </a:xfrm>
+          <a:prstGeom prst="flowChartProcess">
+            <a:avLst/>
+          </a:prstGeom>
+          <a:solidFill>
+            <a:schemeClr val="bg1"/>
+          </a:solidFill>
+          <a:ln>
+            <a:solidFill>
+              <a:schemeClr val="tx2">
+                <a:lumMod val="60000"/>
+                <a:lumOff val="40000"/>
+              </a:schemeClr>
+            </a:solidFill>
+          </a:ln>
+        </p:spPr>
+        <p:style>
+          <a:lnRef idx="2">
+            <a:schemeClr val="accent1">
+              <a:shade val="50000"/>
+            </a:schemeClr>
+          </a:lnRef>
+          <a:fillRef idx="1">
+            <a:schemeClr val="accent1"/>
+          </a:fillRef>
+          <a:effectRef idx="0">
+            <a:schemeClr val="accent1"/>
+          </a:effectRef>
+          <a:fontRef idx="minor">
+            <a:schemeClr val="lt1"/>
+          </a:fontRef>
+        </p:style>
+        <p:txBody>
+          <a:bodyPr rtlCol="0" anchor="ctr"/>
+          <a:lstStyle/>
+          <a:p>
+            <a:pPr algn="ctr"/>
+            <a:r>
+              <a:rPr lang="en-US" altLang="ko-KR" dirty="0" smtClean="0">
+                <a:solidFill>
+                  <a:schemeClr val="tx1"/>
+                </a:solidFill>
+                <a:latin typeface="배달의민족 한나체 Pro" pitchFamily="50" charset="-127"/>
+                <a:ea typeface="배달의민족 한나체 Pro" pitchFamily="50" charset="-127"/>
+              </a:rPr>
+              <a:t> </a:t>
+            </a:r>
+            <a:r>
+              <a:rPr lang="ko-KR" altLang="en-US" dirty="0" smtClean="0">
+                <a:solidFill>
+                  <a:schemeClr val="tx1"/>
+                </a:solidFill>
+                <a:latin typeface="배달의민족 한나체 Pro" pitchFamily="50" charset="-127"/>
+                <a:ea typeface="배달의민족 한나체 Pro" pitchFamily="50" charset="-127"/>
+              </a:rPr>
+              <a:t>벤더 관리</a:t>
+            </a:r>
+            <a:endParaRPr lang="en-US" altLang="ko-KR" dirty="0" smtClean="0">
+              <a:solidFill>
+                <a:schemeClr val="tx1"/>
+              </a:solidFill>
+              <a:latin typeface="배달의민족 한나체 Pro" pitchFamily="50" charset="-127"/>
+              <a:ea typeface="배달의민족 한나체 Pro" pitchFamily="50" charset="-127"/>
+            </a:endParaRPr>
+          </a:p>
+        </p:txBody>
+      </p:sp>
+      <p:cxnSp>
+        <p:nvCxnSpPr>
+          <p:cNvPr id="79" name="직선 화살표 연결선 78"/>
+          <p:cNvCxnSpPr>
+            <a:stCxn id="77" idx="2"/>
+            <a:endCxn id="78" idx="0"/>
+          </p:cNvCxnSpPr>
+          <p:nvPr/>
+        </p:nvCxnSpPr>
+        <p:spPr>
+          <a:xfrm flipH="1">
+            <a:off x="6328158" y="2119385"/>
+            <a:ext cx="2699" cy="389216"/>
+          </a:xfrm>
+          <a:prstGeom prst="straightConnector1">
+            <a:avLst/>
+          </a:prstGeom>
+          <a:ln w="28575">
+            <a:solidFill>
+              <a:schemeClr val="tx2">
+                <a:lumMod val="60000"/>
+                <a:lumOff val="40000"/>
+              </a:schemeClr>
+            </a:solidFill>
+            <a:tailEnd type="arrow"/>
+          </a:ln>
+        </p:spPr>
+        <p:style>
+          <a:lnRef idx="1">
+            <a:schemeClr val="accent1"/>
+          </a:lnRef>
+          <a:fillRef idx="0">
+            <a:schemeClr val="accent1"/>
+          </a:fillRef>
+          <a:effectRef idx="0">
+            <a:schemeClr val="accent1"/>
+          </a:effectRef>
+          <a:fontRef idx="minor">
+            <a:schemeClr val="tx1"/>
+          </a:fontRef>
+        </p:style>
+      </p:cxnSp>
+      <p:cxnSp>
+        <p:nvCxnSpPr>
+          <p:cNvPr id="83" name="꺾인 연결선 82"/>
+          <p:cNvCxnSpPr>
+            <a:stCxn id="11" idx="3"/>
+            <a:endCxn id="77" idx="1"/>
+          </p:cNvCxnSpPr>
+          <p:nvPr/>
+        </p:nvCxnSpPr>
+        <p:spPr>
+          <a:xfrm flipV="1">
+            <a:off x="4893369" y="1867357"/>
+            <a:ext cx="861424" cy="2796068"/>
+          </a:xfrm>
+          <a:prstGeom prst="bentConnector3">
+            <a:avLst>
+              <a:gd name="adj1" fmla="val 63388"/>
+            </a:avLst>
+          </a:prstGeom>
+          <a:ln w="28575">
+            <a:tailEnd type="triangle"/>
+          </a:ln>
+        </p:spPr>
+        <p:style>
+          <a:lnRef idx="1">
+            <a:schemeClr val="accent1"/>
+          </a:lnRef>
+          <a:fillRef idx="0">
+            <a:schemeClr val="accent1"/>
+          </a:fillRef>
+          <a:effectRef idx="0">
+            <a:schemeClr val="accent1"/>
+          </a:effectRef>
+          <a:fontRef idx="minor">
+            <a:schemeClr val="tx1"/>
+          </a:fontRef>
+        </p:style>
+      </p:cxnSp>
+      <p:cxnSp>
+        <p:nvCxnSpPr>
+          <p:cNvPr id="85" name="직선 화살표 연결선 84"/>
+          <p:cNvCxnSpPr>
+            <a:stCxn id="78" idx="2"/>
+            <a:endCxn id="12" idx="0"/>
+          </p:cNvCxnSpPr>
+          <p:nvPr/>
+        </p:nvCxnSpPr>
+        <p:spPr>
+          <a:xfrm>
+            <a:off x="6328158" y="3012657"/>
+            <a:ext cx="160" cy="460692"/>
+          </a:xfrm>
+          <a:prstGeom prst="straightConnector1">
+            <a:avLst/>
+          </a:prstGeom>
+          <a:ln w="28575">
+            <a:solidFill>
+              <a:schemeClr val="tx2">
+                <a:lumMod val="60000"/>
+                <a:lumOff val="40000"/>
+              </a:schemeClr>
+            </a:solidFill>
+            <a:tailEnd type="arrow"/>
+          </a:ln>
+        </p:spPr>
+        <p:style>
+          <a:lnRef idx="1">
+            <a:schemeClr val="accent1"/>
+          </a:lnRef>
+          <a:fillRef idx="0">
+            <a:schemeClr val="accent1"/>
+          </a:fillRef>
+          <a:effectRef idx="0">
+            <a:schemeClr val="accent1"/>
+          </a:effectRef>
+          <a:fontRef idx="minor">
+            <a:schemeClr val="tx1"/>
+          </a:fontRef>
+        </p:style>
+      </p:cxnSp>
+      <p:sp>
+        <p:nvSpPr>
+          <p:cNvPr id="97" name="순서도: 처리 96"/>
+          <p:cNvSpPr/>
+          <p:nvPr/>
+        </p:nvSpPr>
+        <p:spPr>
+          <a:xfrm>
+            <a:off x="5743560" y="5356677"/>
+            <a:ext cx="1152128" cy="504056"/>
+          </a:xfrm>
+          <a:prstGeom prst="flowChartProcess">
+            <a:avLst/>
+          </a:prstGeom>
+          <a:solidFill>
+            <a:schemeClr val="bg1"/>
+          </a:solidFill>
+          <a:ln>
+            <a:solidFill>
+              <a:schemeClr val="tx2">
+                <a:lumMod val="60000"/>
+                <a:lumOff val="40000"/>
+              </a:schemeClr>
+            </a:solidFill>
+          </a:ln>
+        </p:spPr>
+        <p:style>
+          <a:lnRef idx="2">
+            <a:schemeClr val="accent1">
+              <a:shade val="50000"/>
+            </a:schemeClr>
+          </a:lnRef>
+          <a:fillRef idx="1">
+            <a:schemeClr val="accent1"/>
+          </a:fillRef>
+          <a:effectRef idx="0">
+            <a:schemeClr val="accent1"/>
+          </a:effectRef>
+          <a:fontRef idx="minor">
+            <a:schemeClr val="lt1"/>
+          </a:fontRef>
+        </p:style>
+        <p:txBody>
+          <a:bodyPr rtlCol="0" anchor="ctr"/>
+          <a:lstStyle/>
+          <a:p>
+            <a:pPr algn="ctr"/>
+            <a:r>
+              <a:rPr lang="en-US" altLang="ko-KR" dirty="0" smtClean="0">
+                <a:solidFill>
+                  <a:schemeClr val="tx1"/>
+                </a:solidFill>
+                <a:latin typeface="배달의민족 한나체 Pro" pitchFamily="50" charset="-127"/>
+                <a:ea typeface="배달의민족 한나체 Pro" pitchFamily="50" charset="-127"/>
+              </a:rPr>
+              <a:t> </a:t>
+            </a:r>
+            <a:r>
+              <a:rPr lang="ko-KR" altLang="en-US" dirty="0" smtClean="0">
+                <a:solidFill>
+                  <a:schemeClr val="tx1"/>
+                </a:solidFill>
+                <a:latin typeface="배달의민족 한나체 Pro" pitchFamily="50" charset="-127"/>
+                <a:ea typeface="배달의민족 한나체 Pro" pitchFamily="50" charset="-127"/>
+              </a:rPr>
+              <a:t>입고 재고 검사</a:t>
+            </a:r>
+            <a:endParaRPr lang="ko-KR" altLang="en-US" dirty="0">
+              <a:solidFill>
+                <a:schemeClr val="tx1"/>
+              </a:solidFill>
+              <a:latin typeface="배달의민족 한나체 Pro" pitchFamily="50" charset="-127"/>
+              <a:ea typeface="배달의민족 한나체 Pro" pitchFamily="50" charset="-127"/>
+            </a:endParaRPr>
+          </a:p>
+        </p:txBody>
+      </p:sp>
+      <p:cxnSp>
+        <p:nvCxnSpPr>
+          <p:cNvPr id="98" name="직선 화살표 연결선 97"/>
+          <p:cNvCxnSpPr>
+            <a:stCxn id="13" idx="2"/>
+            <a:endCxn id="97" idx="0"/>
+          </p:cNvCxnSpPr>
+          <p:nvPr/>
+        </p:nvCxnSpPr>
+        <p:spPr>
+          <a:xfrm flipH="1">
+            <a:off x="6319624" y="4874880"/>
+            <a:ext cx="8534" cy="481797"/>
+          </a:xfrm>
+          <a:prstGeom prst="straightConnector1">
+            <a:avLst/>
+          </a:prstGeom>
+          <a:ln w="28575">
+            <a:solidFill>
+              <a:schemeClr val="tx2">
+                <a:lumMod val="60000"/>
+                <a:lumOff val="40000"/>
+              </a:schemeClr>
+            </a:solidFill>
+            <a:tailEnd type="arrow"/>
+          </a:ln>
+        </p:spPr>
+        <p:style>
+          <a:lnRef idx="1">
+            <a:schemeClr val="accent1"/>
+          </a:lnRef>
+          <a:fillRef idx="0">
+            <a:schemeClr val="accent1"/>
+          </a:fillRef>
+          <a:effectRef idx="0">
+            <a:schemeClr val="accent1"/>
+          </a:effectRef>
+          <a:fontRef idx="minor">
+            <a:schemeClr val="tx1"/>
+          </a:fontRef>
+        </p:style>
+      </p:cxnSp>
+      <p:sp>
+        <p:nvSpPr>
+          <p:cNvPr id="101" name="순서도: 처리 100"/>
+          <p:cNvSpPr/>
+          <p:nvPr/>
+        </p:nvSpPr>
+        <p:spPr>
+          <a:xfrm>
+            <a:off x="7450971" y="1615329"/>
+            <a:ext cx="1152128" cy="504056"/>
+          </a:xfrm>
+          <a:prstGeom prst="flowChartProcess">
+            <a:avLst/>
+          </a:prstGeom>
+          <a:solidFill>
+            <a:schemeClr val="bg1"/>
+          </a:solidFill>
+          <a:ln>
+            <a:solidFill>
+              <a:schemeClr val="tx2">
+                <a:lumMod val="60000"/>
+                <a:lumOff val="40000"/>
+              </a:schemeClr>
+            </a:solidFill>
+          </a:ln>
+        </p:spPr>
+        <p:style>
+          <a:lnRef idx="2">
+            <a:schemeClr val="accent1">
+              <a:shade val="50000"/>
+            </a:schemeClr>
+          </a:lnRef>
+          <a:fillRef idx="1">
+            <a:schemeClr val="accent1"/>
+          </a:fillRef>
+          <a:effectRef idx="0">
+            <a:schemeClr val="accent1"/>
+          </a:effectRef>
+          <a:fontRef idx="minor">
+            <a:schemeClr val="lt1"/>
+          </a:fontRef>
+        </p:style>
+        <p:txBody>
+          <a:bodyPr rtlCol="0" anchor="ctr"/>
+          <a:lstStyle/>
+          <a:p>
+            <a:pPr algn="ctr"/>
+            <a:r>
+              <a:rPr lang="en-US" altLang="ko-KR" dirty="0" smtClean="0">
+                <a:solidFill>
+                  <a:schemeClr val="tx1"/>
+                </a:solidFill>
+                <a:latin typeface="배달의민족 한나체 Pro" pitchFamily="50" charset="-127"/>
+                <a:ea typeface="배달의민족 한나체 Pro" pitchFamily="50" charset="-127"/>
+              </a:rPr>
+              <a:t>G R</a:t>
+            </a:r>
+            <a:endParaRPr lang="ko-KR" altLang="en-US" dirty="0">
+              <a:solidFill>
+                <a:schemeClr val="tx1"/>
+              </a:solidFill>
+              <a:latin typeface="배달의민족 한나체 Pro" pitchFamily="50" charset="-127"/>
+              <a:ea typeface="배달의민족 한나체 Pro" pitchFamily="50" charset="-127"/>
+            </a:endParaRPr>
+          </a:p>
+        </p:txBody>
+      </p:sp>
+      <p:cxnSp>
+        <p:nvCxnSpPr>
+          <p:cNvPr id="102" name="꺾인 연결선 101"/>
+          <p:cNvCxnSpPr>
+            <a:stCxn id="97" idx="3"/>
+            <a:endCxn id="101" idx="1"/>
+          </p:cNvCxnSpPr>
+          <p:nvPr/>
+        </p:nvCxnSpPr>
+        <p:spPr>
+          <a:xfrm flipV="1">
+            <a:off x="6895688" y="1867357"/>
+            <a:ext cx="555283" cy="3741348"/>
+          </a:xfrm>
+          <a:prstGeom prst="bentConnector3">
+            <a:avLst>
+              <a:gd name="adj1" fmla="val 50000"/>
+            </a:avLst>
+          </a:prstGeom>
+          <a:ln w="28575">
+            <a:tailEnd type="triangle"/>
+          </a:ln>
+        </p:spPr>
+        <p:style>
+          <a:lnRef idx="1">
+            <a:schemeClr val="accent1"/>
+          </a:lnRef>
+          <a:fillRef idx="0">
+            <a:schemeClr val="accent1"/>
+          </a:fillRef>
+          <a:effectRef idx="0">
+            <a:schemeClr val="accent1"/>
+          </a:effectRef>
+          <a:fontRef idx="minor">
+            <a:schemeClr val="tx1"/>
+          </a:fontRef>
+        </p:style>
+      </p:cxnSp>
+      <p:cxnSp>
+        <p:nvCxnSpPr>
+          <p:cNvPr id="114" name="직선 화살표 연결선 113"/>
+          <p:cNvCxnSpPr>
+            <a:stCxn id="101" idx="2"/>
+            <a:endCxn id="14" idx="0"/>
+          </p:cNvCxnSpPr>
+          <p:nvPr/>
+        </p:nvCxnSpPr>
+        <p:spPr>
+          <a:xfrm>
+            <a:off x="8027035" y="2119385"/>
+            <a:ext cx="27005" cy="3237292"/>
+          </a:xfrm>
+          <a:prstGeom prst="straightConnector1">
+            <a:avLst/>
+          </a:prstGeom>
+          <a:ln w="28575">
+            <a:solidFill>
+              <a:schemeClr val="tx2">
+                <a:lumMod val="60000"/>
+                <a:lumOff val="40000"/>
+              </a:schemeClr>
+            </a:solidFill>
+            <a:tailEnd type="arrow"/>
+          </a:ln>
+        </p:spPr>
+        <p:style>
+          <a:lnRef idx="1">
+            <a:schemeClr val="accent1"/>
+          </a:lnRef>
+          <a:fillRef idx="0">
+            <a:schemeClr val="accent1"/>
+          </a:fillRef>
+          <a:effectRef idx="0">
+            <a:schemeClr val="accent1"/>
+          </a:effectRef>
+          <a:fontRef idx="minor">
+            <a:schemeClr val="tx1"/>
+          </a:fontRef>
+        </p:style>
+      </p:cxnSp>
+      <p:sp>
+        <p:nvSpPr>
+          <p:cNvPr id="41" name="모서리가 둥근 직사각형 40"/>
+          <p:cNvSpPr/>
+          <p:nvPr/>
+        </p:nvSpPr>
+        <p:spPr>
+          <a:xfrm>
+            <a:off x="247518" y="134634"/>
+            <a:ext cx="2092234" cy="504056"/>
+          </a:xfrm>
+          <a:prstGeom prst="roundRect">
+            <a:avLst/>
+          </a:prstGeom>
+          <a:solidFill>
+            <a:schemeClr val="bg1"/>
+          </a:solidFill>
+          <a:ln>
+            <a:solidFill>
+              <a:schemeClr val="tx1"/>
+            </a:solidFill>
+          </a:ln>
+        </p:spPr>
+        <p:style>
+          <a:lnRef idx="2">
+            <a:schemeClr val="accent1">
+              <a:shade val="50000"/>
+            </a:schemeClr>
+          </a:lnRef>
+          <a:fillRef idx="1">
+            <a:schemeClr val="accent1"/>
+          </a:fillRef>
+          <a:effectRef idx="0">
+            <a:schemeClr val="accent1"/>
+          </a:effectRef>
+          <a:fontRef idx="minor">
+            <a:schemeClr val="lt1"/>
+          </a:fontRef>
+        </p:style>
+        <p:txBody>
+          <a:bodyPr rtlCol="0" anchor="ctr"/>
+          <a:lstStyle/>
+          <a:p>
+            <a:pPr algn="ctr"/>
+            <a:r>
+              <a:rPr lang="en-US" altLang="ko-KR" dirty="0" smtClean="0">
+                <a:solidFill>
+                  <a:schemeClr val="tx1"/>
+                </a:solidFill>
+                <a:latin typeface="배달의민족 한나체 Pro" pitchFamily="50" charset="-127"/>
+                <a:ea typeface="배달의민족 한나체 Pro" pitchFamily="50" charset="-127"/>
+              </a:rPr>
+              <a:t>As - Is</a:t>
+            </a:r>
+            <a:endParaRPr lang="ko-KR" altLang="en-US" dirty="0">
+              <a:solidFill>
+                <a:schemeClr val="tx1"/>
+              </a:solidFill>
+              <a:latin typeface="배달의민족 한나체 Pro" pitchFamily="50" charset="-127"/>
+              <a:ea typeface="배달의민족 한나체 Pro" pitchFamily="50" charset="-127"/>
+            </a:endParaRPr>
+          </a:p>
+        </p:txBody>
+      </p:sp>
+    </p:spTree>
+    <p:extLst>
+      <p:ext uri="{BB962C8B-B14F-4D97-AF65-F5344CB8AC3E}">
+        <p14:creationId xmlns:p14="http://schemas.microsoft.com/office/powerpoint/2010/main" val="2744270332"/>
       </p:ext>
     </p:extLst>
   </p:cSld>

--- a/Document/process.pptx
+++ b/Document/process.pptx
@@ -305,7 +305,7 @@
           <a:p>
             <a:fld id="{D774640A-83A1-4395-997C-62720D5DC0E7}" type="datetimeFigureOut">
               <a:rPr lang="ko-KR" altLang="en-US" smtClean="0"/>
-              <a:t>2021-07-23</a:t>
+              <a:t>2021-07-24</a:t>
             </a:fld>
             <a:endParaRPr lang="ko-KR" altLang="en-US"/>
           </a:p>
@@ -475,7 +475,7 @@
           <a:p>
             <a:fld id="{D774640A-83A1-4395-997C-62720D5DC0E7}" type="datetimeFigureOut">
               <a:rPr lang="ko-KR" altLang="en-US" smtClean="0"/>
-              <a:t>2021-07-23</a:t>
+              <a:t>2021-07-24</a:t>
             </a:fld>
             <a:endParaRPr lang="ko-KR" altLang="en-US"/>
           </a:p>
@@ -655,7 +655,7 @@
           <a:p>
             <a:fld id="{D774640A-83A1-4395-997C-62720D5DC0E7}" type="datetimeFigureOut">
               <a:rPr lang="ko-KR" altLang="en-US" smtClean="0"/>
-              <a:t>2021-07-23</a:t>
+              <a:t>2021-07-24</a:t>
             </a:fld>
             <a:endParaRPr lang="ko-KR" altLang="en-US"/>
           </a:p>
@@ -825,7 +825,7 @@
           <a:p>
             <a:fld id="{D774640A-83A1-4395-997C-62720D5DC0E7}" type="datetimeFigureOut">
               <a:rPr lang="ko-KR" altLang="en-US" smtClean="0"/>
-              <a:t>2021-07-23</a:t>
+              <a:t>2021-07-24</a:t>
             </a:fld>
             <a:endParaRPr lang="ko-KR" altLang="en-US"/>
           </a:p>
@@ -1071,7 +1071,7 @@
           <a:p>
             <a:fld id="{D774640A-83A1-4395-997C-62720D5DC0E7}" type="datetimeFigureOut">
               <a:rPr lang="ko-KR" altLang="en-US" smtClean="0"/>
-              <a:t>2021-07-23</a:t>
+              <a:t>2021-07-24</a:t>
             </a:fld>
             <a:endParaRPr lang="ko-KR" altLang="en-US"/>
           </a:p>
@@ -1359,7 +1359,7 @@
           <a:p>
             <a:fld id="{D774640A-83A1-4395-997C-62720D5DC0E7}" type="datetimeFigureOut">
               <a:rPr lang="ko-KR" altLang="en-US" smtClean="0"/>
-              <a:t>2021-07-23</a:t>
+              <a:t>2021-07-24</a:t>
             </a:fld>
             <a:endParaRPr lang="ko-KR" altLang="en-US"/>
           </a:p>
@@ -1781,7 +1781,7 @@
           <a:p>
             <a:fld id="{D774640A-83A1-4395-997C-62720D5DC0E7}" type="datetimeFigureOut">
               <a:rPr lang="ko-KR" altLang="en-US" smtClean="0"/>
-              <a:t>2021-07-23</a:t>
+              <a:t>2021-07-24</a:t>
             </a:fld>
             <a:endParaRPr lang="ko-KR" altLang="en-US"/>
           </a:p>
@@ -1899,7 +1899,7 @@
           <a:p>
             <a:fld id="{D774640A-83A1-4395-997C-62720D5DC0E7}" type="datetimeFigureOut">
               <a:rPr lang="ko-KR" altLang="en-US" smtClean="0"/>
-              <a:t>2021-07-23</a:t>
+              <a:t>2021-07-24</a:t>
             </a:fld>
             <a:endParaRPr lang="ko-KR" altLang="en-US"/>
           </a:p>
@@ -1994,7 +1994,7 @@
           <a:p>
             <a:fld id="{D774640A-83A1-4395-997C-62720D5DC0E7}" type="datetimeFigureOut">
               <a:rPr lang="ko-KR" altLang="en-US" smtClean="0"/>
-              <a:t>2021-07-23</a:t>
+              <a:t>2021-07-24</a:t>
             </a:fld>
             <a:endParaRPr lang="ko-KR" altLang="en-US"/>
           </a:p>
@@ -2271,7 +2271,7 @@
           <a:p>
             <a:fld id="{D774640A-83A1-4395-997C-62720D5DC0E7}" type="datetimeFigureOut">
               <a:rPr lang="ko-KR" altLang="en-US" smtClean="0"/>
-              <a:t>2021-07-23</a:t>
+              <a:t>2021-07-24</a:t>
             </a:fld>
             <a:endParaRPr lang="ko-KR" altLang="en-US"/>
           </a:p>
@@ -2524,7 +2524,7 @@
           <a:p>
             <a:fld id="{D774640A-83A1-4395-997C-62720D5DC0E7}" type="datetimeFigureOut">
               <a:rPr lang="ko-KR" altLang="en-US" smtClean="0"/>
-              <a:t>2021-07-23</a:t>
+              <a:t>2021-07-24</a:t>
             </a:fld>
             <a:endParaRPr lang="ko-KR" altLang="en-US"/>
           </a:p>
@@ -2737,7 +2737,7 @@
           <a:p>
             <a:fld id="{D774640A-83A1-4395-997C-62720D5DC0E7}" type="datetimeFigureOut">
               <a:rPr lang="ko-KR" altLang="en-US" smtClean="0"/>
-              <a:t>2021-07-23</a:t>
+              <a:t>2021-07-24</a:t>
             </a:fld>
             <a:endParaRPr lang="ko-KR" altLang="en-US"/>
           </a:p>
@@ -4839,6 +4839,13 @@
   <p:clrMapOvr>
     <a:masterClrMapping/>
   </p:clrMapOvr>
+  <p:timing>
+    <p:tnLst>
+      <p:par>
+        <p:cTn id="1" dur="indefinite" restart="never" nodeType="tmRoot"/>
+      </p:par>
+    </p:tnLst>
+  </p:timing>
 </p:sld>
 </file>
 
@@ -5240,7 +5247,7 @@
         </p:nvSpPr>
         <p:spPr>
           <a:xfrm>
-            <a:off x="3741241" y="1645421"/>
+            <a:off x="3741977" y="1924710"/>
             <a:ext cx="1152128" cy="504056"/>
           </a:xfrm>
           <a:prstGeom prst="flowChartProcess">
@@ -5314,7 +5321,7 @@
         </p:nvSpPr>
         <p:spPr>
           <a:xfrm>
-            <a:off x="3741241" y="4411397"/>
+            <a:off x="3732918" y="3839808"/>
             <a:ext cx="1152128" cy="504056"/>
           </a:xfrm>
           <a:prstGeom prst="flowChartProcess">
@@ -5391,7 +5398,7 @@
         </p:nvSpPr>
         <p:spPr>
           <a:xfrm>
-            <a:off x="5752254" y="3473349"/>
+            <a:off x="5776776" y="3836489"/>
             <a:ext cx="1152128" cy="504056"/>
           </a:xfrm>
           <a:prstGeom prst="flowChartProcess">
@@ -5468,7 +5475,7 @@
         </p:nvSpPr>
         <p:spPr>
           <a:xfrm>
-            <a:off x="5752094" y="4370824"/>
+            <a:off x="7492215" y="1924710"/>
             <a:ext cx="1152128" cy="504056"/>
           </a:xfrm>
           <a:prstGeom prst="flowChartProcess">
@@ -5518,14 +5525,14 @@
               <a:t> </a:t>
             </a:r>
             <a:r>
-              <a:rPr lang="ko-KR" altLang="en-US" dirty="0" smtClean="0">
+              <a:rPr lang="en-US" altLang="ko-KR" dirty="0">
                 <a:solidFill>
                   <a:schemeClr val="tx1"/>
                 </a:solidFill>
                 <a:latin typeface="배달의민족 한나체 Pro" pitchFamily="50" charset="-127"/>
                 <a:ea typeface="배달의민족 한나체 Pro" pitchFamily="50" charset="-127"/>
               </a:rPr>
-              <a:t>입 고</a:t>
+              <a:t>G R</a:t>
             </a:r>
             <a:endParaRPr lang="ko-KR" altLang="en-US" dirty="0">
               <a:solidFill>
@@ -5545,7 +5552,7 @@
         </p:nvSpPr>
         <p:spPr>
           <a:xfrm>
-            <a:off x="7477976" y="5356677"/>
+            <a:off x="7492215" y="5481599"/>
             <a:ext cx="1152128" cy="504056"/>
           </a:xfrm>
           <a:prstGeom prst="flowChartProcess">
@@ -6021,48 +6028,6 @@
       </p:cxnSp>
       <p:cxnSp>
         <p:nvCxnSpPr>
-          <p:cNvPr id="27" name="직선 화살표 연결선 26"/>
-          <p:cNvCxnSpPr>
-            <a:stCxn id="12" idx="2"/>
-            <a:endCxn id="13" idx="0"/>
-          </p:cNvCxnSpPr>
-          <p:nvPr/>
-        </p:nvCxnSpPr>
-        <p:spPr>
-          <a:xfrm flipH="1">
-            <a:off x="6328158" y="3977405"/>
-            <a:ext cx="160" cy="393419"/>
-          </a:xfrm>
-          <a:prstGeom prst="straightConnector1">
-            <a:avLst/>
-          </a:prstGeom>
-          <a:ln w="28575">
-            <a:solidFill>
-              <a:schemeClr val="tx2">
-                <a:lumMod val="60000"/>
-                <a:lumOff val="40000"/>
-              </a:schemeClr>
-            </a:solidFill>
-            <a:tailEnd type="arrow"/>
-          </a:ln>
-        </p:spPr>
-        <p:style>
-          <a:lnRef idx="1">
-            <a:schemeClr val="accent1"/>
-          </a:lnRef>
-          <a:fillRef idx="0">
-            <a:schemeClr val="accent1"/>
-          </a:fillRef>
-          <a:effectRef idx="0">
-            <a:schemeClr val="accent1"/>
-          </a:effectRef>
-          <a:fontRef idx="minor">
-            <a:schemeClr val="tx1"/>
-          </a:fontRef>
-        </p:style>
-      </p:cxnSp>
-      <p:cxnSp>
-        <p:nvCxnSpPr>
           <p:cNvPr id="30" name="직선 화살표 연결선 29"/>
           <p:cNvCxnSpPr>
             <a:stCxn id="17" idx="1"/>
@@ -6306,12 +6271,12 @@
         </p:nvCxnSpPr>
         <p:spPr>
           <a:xfrm flipV="1">
-            <a:off x="1399646" y="1897449"/>
-            <a:ext cx="2341595" cy="731322"/>
+            <a:off x="1399646" y="2176738"/>
+            <a:ext cx="2342331" cy="452033"/>
           </a:xfrm>
           <a:prstGeom prst="bentConnector3">
             <a:avLst>
-              <a:gd name="adj1" fmla="val 51759"/>
+              <a:gd name="adj1" fmla="val 52110"/>
             </a:avLst>
           </a:prstGeom>
           <a:ln w="28575">
@@ -6341,7 +6306,7 @@
         </p:nvSpPr>
         <p:spPr>
           <a:xfrm>
-            <a:off x="3744929" y="2966588"/>
+            <a:off x="3753668" y="2943392"/>
             <a:ext cx="1152128" cy="504056"/>
           </a:xfrm>
           <a:prstGeom prst="flowChartProcess">
@@ -6441,8 +6406,8 @@
         </p:nvCxnSpPr>
         <p:spPr>
           <a:xfrm>
-            <a:off x="4317305" y="2149477"/>
-            <a:ext cx="3688" cy="817111"/>
+            <a:off x="4318041" y="2428766"/>
+            <a:ext cx="11691" cy="514626"/>
           </a:xfrm>
           <a:prstGeom prst="straightConnector1">
             <a:avLst/>
@@ -6483,8 +6448,8 @@
         </p:nvCxnSpPr>
         <p:spPr>
           <a:xfrm flipH="1">
-            <a:off x="4317305" y="3470644"/>
-            <a:ext cx="3688" cy="940753"/>
+            <a:off x="4308982" y="3447448"/>
+            <a:ext cx="20750" cy="392360"/>
           </a:xfrm>
           <a:prstGeom prst="straightConnector1">
             <a:avLst/>
@@ -6596,7 +6561,7 @@
         </p:nvSpPr>
         <p:spPr>
           <a:xfrm>
-            <a:off x="5754793" y="1615329"/>
+            <a:off x="5770931" y="1924710"/>
             <a:ext cx="1152128" cy="504056"/>
           </a:xfrm>
           <a:prstGeom prst="flowChartProcess">
@@ -6673,7 +6638,7 @@
         </p:nvSpPr>
         <p:spPr>
           <a:xfrm>
-            <a:off x="5752094" y="2508601"/>
+            <a:off x="5782622" y="2943392"/>
             <a:ext cx="1152128" cy="504056"/>
           </a:xfrm>
           <a:prstGeom prst="flowChartProcess">
@@ -6752,9 +6717,9 @@
           <p:nvPr/>
         </p:nvCxnSpPr>
         <p:spPr>
-          <a:xfrm flipH="1">
-            <a:off x="6328158" y="2119385"/>
-            <a:ext cx="2699" cy="389216"/>
+          <a:xfrm>
+            <a:off x="6346995" y="2428766"/>
+            <a:ext cx="11691" cy="514626"/>
           </a:xfrm>
           <a:prstGeom prst="straightConnector1">
             <a:avLst/>
@@ -6795,12 +6760,12 @@
         </p:nvCxnSpPr>
         <p:spPr>
           <a:xfrm flipV="1">
-            <a:off x="4893369" y="1867357"/>
-            <a:ext cx="861424" cy="2796068"/>
+            <a:off x="4885046" y="2176738"/>
+            <a:ext cx="885885" cy="1915098"/>
           </a:xfrm>
           <a:prstGeom prst="bentConnector3">
             <a:avLst>
-              <a:gd name="adj1" fmla="val 63388"/>
+              <a:gd name="adj1" fmla="val 50000"/>
             </a:avLst>
           </a:prstGeom>
           <a:ln w="28575">
@@ -6832,9 +6797,9 @@
           <p:nvPr/>
         </p:nvCxnSpPr>
         <p:spPr>
-          <a:xfrm>
-            <a:off x="6328158" y="3012657"/>
-            <a:ext cx="160" cy="460692"/>
+          <a:xfrm flipH="1">
+            <a:off x="6352840" y="3447448"/>
+            <a:ext cx="5846" cy="389041"/>
           </a:xfrm>
           <a:prstGeom prst="straightConnector1">
             <a:avLst/>
@@ -6872,7 +6837,7 @@
         </p:nvSpPr>
         <p:spPr>
           <a:xfrm>
-            <a:off x="5743560" y="5356677"/>
+            <a:off x="7496527" y="3836489"/>
             <a:ext cx="1152128" cy="504056"/>
           </a:xfrm>
           <a:prstGeom prst="flowChartProcess">
@@ -6951,9 +6916,9 @@
           <p:nvPr/>
         </p:nvCxnSpPr>
         <p:spPr>
-          <a:xfrm flipH="1">
-            <a:off x="6319624" y="4874880"/>
-            <a:ext cx="8534" cy="481797"/>
+          <a:xfrm>
+            <a:off x="8068279" y="2428766"/>
+            <a:ext cx="4312" cy="1407723"/>
           </a:xfrm>
           <a:prstGeom prst="straightConnector1">
             <a:avLst/>
@@ -6983,124 +6948,19 @@
           </a:fontRef>
         </p:style>
       </p:cxnSp>
-      <p:sp>
-        <p:nvSpPr>
-          <p:cNvPr id="101" name="순서도: 처리 100"/>
-          <p:cNvSpPr/>
-          <p:nvPr/>
-        </p:nvSpPr>
-        <p:spPr>
-          <a:xfrm>
-            <a:off x="7450971" y="1615329"/>
-            <a:ext cx="1152128" cy="504056"/>
-          </a:xfrm>
-          <a:prstGeom prst="flowChartProcess">
-            <a:avLst/>
-          </a:prstGeom>
-          <a:solidFill>
-            <a:schemeClr val="bg1"/>
-          </a:solidFill>
-          <a:ln>
-            <a:solidFill>
-              <a:schemeClr val="tx2">
-                <a:lumMod val="60000"/>
-                <a:lumOff val="40000"/>
-              </a:schemeClr>
-            </a:solidFill>
-          </a:ln>
-        </p:spPr>
-        <p:style>
-          <a:lnRef idx="2">
-            <a:schemeClr val="accent1">
-              <a:shade val="50000"/>
-            </a:schemeClr>
-          </a:lnRef>
-          <a:fillRef idx="1">
-            <a:schemeClr val="accent1"/>
-          </a:fillRef>
-          <a:effectRef idx="0">
-            <a:schemeClr val="accent1"/>
-          </a:effectRef>
-          <a:fontRef idx="minor">
-            <a:schemeClr val="lt1"/>
-          </a:fontRef>
-        </p:style>
-        <p:txBody>
-          <a:bodyPr rtlCol="0" anchor="ctr"/>
-          <a:lstStyle/>
-          <a:p>
-            <a:pPr algn="ctr"/>
-            <a:r>
-              <a:rPr lang="en-US" altLang="ko-KR" dirty="0" smtClean="0">
-                <a:solidFill>
-                  <a:schemeClr val="tx1"/>
-                </a:solidFill>
-                <a:latin typeface="배달의민족 한나체 Pro" pitchFamily="50" charset="-127"/>
-                <a:ea typeface="배달의민족 한나체 Pro" pitchFamily="50" charset="-127"/>
-              </a:rPr>
-              <a:t>G R</a:t>
-            </a:r>
-            <a:endParaRPr lang="ko-KR" altLang="en-US" dirty="0">
-              <a:solidFill>
-                <a:schemeClr val="tx1"/>
-              </a:solidFill>
-              <a:latin typeface="배달의민족 한나체 Pro" pitchFamily="50" charset="-127"/>
-              <a:ea typeface="배달의민족 한나체 Pro" pitchFamily="50" charset="-127"/>
-            </a:endParaRPr>
-          </a:p>
-        </p:txBody>
-      </p:sp>
-      <p:cxnSp>
-        <p:nvCxnSpPr>
-          <p:cNvPr id="102" name="꺾인 연결선 101"/>
-          <p:cNvCxnSpPr>
-            <a:stCxn id="97" idx="3"/>
-            <a:endCxn id="101" idx="1"/>
-          </p:cNvCxnSpPr>
-          <p:nvPr/>
-        </p:nvCxnSpPr>
-        <p:spPr>
-          <a:xfrm flipV="1">
-            <a:off x="6895688" y="1867357"/>
-            <a:ext cx="555283" cy="3741348"/>
-          </a:xfrm>
-          <a:prstGeom prst="bentConnector3">
-            <a:avLst>
-              <a:gd name="adj1" fmla="val 50000"/>
-            </a:avLst>
-          </a:prstGeom>
-          <a:ln w="28575">
-            <a:tailEnd type="triangle"/>
-          </a:ln>
-        </p:spPr>
-        <p:style>
-          <a:lnRef idx="1">
-            <a:schemeClr val="accent1"/>
-          </a:lnRef>
-          <a:fillRef idx="0">
-            <a:schemeClr val="accent1"/>
-          </a:fillRef>
-          <a:effectRef idx="0">
-            <a:schemeClr val="accent1"/>
-          </a:effectRef>
-          <a:fontRef idx="minor">
-            <a:schemeClr val="tx1"/>
-          </a:fontRef>
-        </p:style>
-      </p:cxnSp>
       <p:cxnSp>
         <p:nvCxnSpPr>
           <p:cNvPr id="114" name="직선 화살표 연결선 113"/>
           <p:cNvCxnSpPr>
-            <a:stCxn id="101" idx="2"/>
+            <a:stCxn id="97" idx="2"/>
             <a:endCxn id="14" idx="0"/>
           </p:cNvCxnSpPr>
           <p:nvPr/>
         </p:nvCxnSpPr>
         <p:spPr>
-          <a:xfrm>
-            <a:off x="8027035" y="2119385"/>
-            <a:ext cx="27005" cy="3237292"/>
+          <a:xfrm flipH="1">
+            <a:off x="8068279" y="4340545"/>
+            <a:ext cx="4312" cy="1141054"/>
           </a:xfrm>
           <a:prstGeom prst="straightConnector1">
             <a:avLst/>
@@ -7194,6 +7054,82 @@
           </a:p>
         </p:txBody>
       </p:sp>
+      <p:cxnSp>
+        <p:nvCxnSpPr>
+          <p:cNvPr id="74" name="꺾인 연결선 73"/>
+          <p:cNvCxnSpPr>
+            <a:stCxn id="12" idx="3"/>
+            <a:endCxn id="13" idx="1"/>
+          </p:cNvCxnSpPr>
+          <p:nvPr/>
+        </p:nvCxnSpPr>
+        <p:spPr>
+          <a:xfrm flipV="1">
+            <a:off x="6928904" y="2176738"/>
+            <a:ext cx="563311" cy="1911779"/>
+          </a:xfrm>
+          <a:prstGeom prst="bentConnector3">
+            <a:avLst>
+              <a:gd name="adj1" fmla="val 50000"/>
+            </a:avLst>
+          </a:prstGeom>
+          <a:ln w="28575">
+            <a:tailEnd type="triangle"/>
+          </a:ln>
+        </p:spPr>
+        <p:style>
+          <a:lnRef idx="1">
+            <a:schemeClr val="accent1"/>
+          </a:lnRef>
+          <a:fillRef idx="0">
+            <a:schemeClr val="accent1"/>
+          </a:fillRef>
+          <a:effectRef idx="0">
+            <a:schemeClr val="accent1"/>
+          </a:effectRef>
+          <a:fontRef idx="minor">
+            <a:schemeClr val="tx1"/>
+          </a:fontRef>
+        </p:style>
+      </p:cxnSp>
+      <p:cxnSp>
+        <p:nvCxnSpPr>
+          <p:cNvPr id="67" name="직선 화살표 연결선 66"/>
+          <p:cNvCxnSpPr>
+            <a:endCxn id="16" idx="3"/>
+          </p:cNvCxnSpPr>
+          <p:nvPr/>
+        </p:nvCxnSpPr>
+        <p:spPr>
+          <a:xfrm flipH="1">
+            <a:off x="3193846" y="5027940"/>
+            <a:ext cx="4874433" cy="0"/>
+          </a:xfrm>
+          <a:prstGeom prst="straightConnector1">
+            <a:avLst/>
+          </a:prstGeom>
+          <a:ln w="28575">
+            <a:solidFill>
+              <a:schemeClr val="tx1"/>
+            </a:solidFill>
+            <a:tailEnd type="triangle"/>
+          </a:ln>
+        </p:spPr>
+        <p:style>
+          <a:lnRef idx="1">
+            <a:schemeClr val="accent1"/>
+          </a:lnRef>
+          <a:fillRef idx="0">
+            <a:schemeClr val="accent1"/>
+          </a:fillRef>
+          <a:effectRef idx="0">
+            <a:schemeClr val="accent1"/>
+          </a:effectRef>
+          <a:fontRef idx="minor">
+            <a:schemeClr val="tx1"/>
+          </a:fontRef>
+        </p:style>
+      </p:cxnSp>
     </p:spTree>
     <p:extLst>
       <p:ext uri="{BB962C8B-B14F-4D97-AF65-F5344CB8AC3E}">
@@ -7204,6 +7140,13 @@
   <p:clrMapOvr>
     <a:masterClrMapping/>
   </p:clrMapOvr>
+  <p:timing>
+    <p:tnLst>
+      <p:par>
+        <p:cTn id="1" dur="indefinite" restart="never" nodeType="tmRoot"/>
+      </p:par>
+    </p:tnLst>
+  </p:timing>
 </p:sld>
 </file>
 
